--- a/2020-06-04_Presentation_V2.pptx
+++ b/2020-06-04_Presentation_V2.pptx
@@ -5,10 +5,10 @@
     <p:sldMasterId id="2147483664" r:id="rId1"/>
   </p:sldMasterIdLst>
   <p:notesMasterIdLst>
-    <p:notesMasterId r:id="rId36"/>
+    <p:notesMasterId r:id="rId35"/>
   </p:notesMasterIdLst>
   <p:handoutMasterIdLst>
-    <p:handoutMasterId r:id="rId37"/>
+    <p:handoutMasterId r:id="rId36"/>
   </p:handoutMasterIdLst>
   <p:sldIdLst>
     <p:sldId id="319" r:id="rId2"/>
@@ -35,16 +35,15 @@
     <p:sldId id="292" r:id="rId23"/>
     <p:sldId id="329" r:id="rId24"/>
     <p:sldId id="307" r:id="rId25"/>
-    <p:sldId id="310" r:id="rId26"/>
-    <p:sldId id="330" r:id="rId27"/>
-    <p:sldId id="315" r:id="rId28"/>
-    <p:sldId id="314" r:id="rId29"/>
-    <p:sldId id="316" r:id="rId30"/>
-    <p:sldId id="317" r:id="rId31"/>
-    <p:sldId id="331" r:id="rId32"/>
-    <p:sldId id="318" r:id="rId33"/>
-    <p:sldId id="305" r:id="rId34"/>
-    <p:sldId id="306" r:id="rId35"/>
+    <p:sldId id="330" r:id="rId26"/>
+    <p:sldId id="315" r:id="rId27"/>
+    <p:sldId id="314" r:id="rId28"/>
+    <p:sldId id="316" r:id="rId29"/>
+    <p:sldId id="317" r:id="rId30"/>
+    <p:sldId id="331" r:id="rId31"/>
+    <p:sldId id="318" r:id="rId32"/>
+    <p:sldId id="305" r:id="rId33"/>
+    <p:sldId id="306" r:id="rId34"/>
   </p:sldIdLst>
   <p:sldSz cx="12192000" cy="6858000"/>
   <p:notesSz cx="6858000" cy="9144000"/>
@@ -147,6 +146,9 @@
     <p:ext uri="{EFAFB233-063F-42B5-8137-9DF3F51BA10A}">
       <p15:sldGuideLst xmlns:p15="http://schemas.microsoft.com/office/powerpoint/2012/main"/>
     </p:ext>
+    <p:ext uri="{2D200454-40CA-4A62-9FC3-DE9A4176ACB9}">
+      <p15:notesGuideLst xmlns:p15="http://schemas.microsoft.com/office/powerpoint/2012/main"/>
+    </p:ext>
   </p:extLst>
 </p:presentation>
 </file>
@@ -166,7 +168,7 @@
 <file path=ppt/revisionInfo.xml><?xml version="1.0" encoding="utf-8"?>
 <p1510:revInfo xmlns:a="http://schemas.openxmlformats.org/drawingml/2006/main" xmlns:r="http://schemas.openxmlformats.org/officeDocument/2006/relationships" xmlns:p1510="http://schemas.microsoft.com/office/powerpoint/2015/10/main">
   <p1510:revLst>
-    <p1510:client id="{0C1071D5-2FAA-434C-8120-31E29F8E3A62}" v="269" dt="2020-06-02T13:45:30.376"/>
+    <p1510:client id="{0C1071D5-2FAA-434C-8120-31E29F8E3A62}" v="283" dt="2020-06-02T14:54:02.721"/>
   </p1510:revLst>
 </p1510:revInfo>
 </file>
@@ -3985,7 +3987,7 @@
   <pc:docChgLst>
     <pc:chgData name="Lukas Schmid" userId="ec5adfe4448c9907" providerId="LiveId" clId="{0C1071D5-2FAA-434C-8120-31E29F8E3A62}"/>
     <pc:docChg chg="undo custSel addSld delSld modSld sldOrd modMainMaster">
-      <pc:chgData name="Lukas Schmid" userId="ec5adfe4448c9907" providerId="LiveId" clId="{0C1071D5-2FAA-434C-8120-31E29F8E3A62}" dt="2020-06-02T13:45:24.993" v="1036"/>
+      <pc:chgData name="Lukas Schmid" userId="ec5adfe4448c9907" providerId="LiveId" clId="{0C1071D5-2FAA-434C-8120-31E29F8E3A62}" dt="2020-06-02T14:54:02.721" v="1061"/>
       <pc:docMkLst>
         <pc:docMk/>
       </pc:docMkLst>
@@ -5001,7 +5003,7 @@
         </pc:sldMkLst>
       </pc:sldChg>
       <pc:sldChg chg="modSp add del mod">
-        <pc:chgData name="Lukas Schmid" userId="ec5adfe4448c9907" providerId="LiveId" clId="{0C1071D5-2FAA-434C-8120-31E29F8E3A62}" dt="2020-06-02T13:36:56.380" v="908" actId="2696"/>
+        <pc:chgData name="Lukas Schmid" userId="ec5adfe4448c9907" providerId="LiveId" clId="{0C1071D5-2FAA-434C-8120-31E29F8E3A62}" dt="2020-06-02T14:50:42.931" v="1038" actId="1076"/>
         <pc:sldMkLst>
           <pc:docMk/>
           <pc:sldMk cId="4092314866" sldId="305"/>
@@ -5020,6 +5022,14 @@
             <pc:docMk/>
             <pc:sldMk cId="4092314866" sldId="305"/>
             <ac:spMk id="3" creationId="{86774DE6-3839-4036-AA2C-38034CAE739F}"/>
+          </ac:spMkLst>
+        </pc:spChg>
+        <pc:spChg chg="mod">
+          <ac:chgData name="Lukas Schmid" userId="ec5adfe4448c9907" providerId="LiveId" clId="{0C1071D5-2FAA-434C-8120-31E29F8E3A62}" dt="2020-06-02T14:50:42.931" v="1038" actId="1076"/>
+          <ac:spMkLst>
+            <pc:docMk/>
+            <pc:sldMk cId="4092314866" sldId="305"/>
+            <ac:spMk id="7" creationId="{F3588070-E346-4AEF-8AE5-D57DCD24F2FC}"/>
           </ac:spMkLst>
         </pc:spChg>
         <pc:picChg chg="mod">
@@ -5102,7 +5112,7 @@
         </pc:cxnChg>
       </pc:sldChg>
       <pc:sldChg chg="addSp delSp modSp add del mod">
-        <pc:chgData name="Lukas Schmid" userId="ec5adfe4448c9907" providerId="LiveId" clId="{0C1071D5-2FAA-434C-8120-31E29F8E3A62}" dt="2020-06-02T13:36:56.380" v="908" actId="2696"/>
+        <pc:chgData name="Lukas Schmid" userId="ec5adfe4448c9907" providerId="LiveId" clId="{0C1071D5-2FAA-434C-8120-31E29F8E3A62}" dt="2020-06-02T14:50:52.757" v="1039" actId="47"/>
         <pc:sldMkLst>
           <pc:docMk/>
           <pc:sldMk cId="3264562930" sldId="310"/>
@@ -5124,8 +5134,8 @@
           </ac:spMkLst>
         </pc:spChg>
       </pc:sldChg>
-      <pc:sldChg chg="addSp delSp modSp add del mod">
-        <pc:chgData name="Lukas Schmid" userId="ec5adfe4448c9907" providerId="LiveId" clId="{0C1071D5-2FAA-434C-8120-31E29F8E3A62}" dt="2020-06-02T13:36:56.380" v="908" actId="2696"/>
+      <pc:sldChg chg="addSp delSp modSp add del mod modAnim">
+        <pc:chgData name="Lukas Schmid" userId="ec5adfe4448c9907" providerId="LiveId" clId="{0C1071D5-2FAA-434C-8120-31E29F8E3A62}" dt="2020-06-02T14:54:02.721" v="1061"/>
         <pc:sldMkLst>
           <pc:docMk/>
           <pc:sldMk cId="1177977133" sldId="314"/>
@@ -5146,8 +5156,8 @@
             <ac:spMk id="4" creationId="{DF02931C-02DE-466C-9079-71DCA4F3872C}"/>
           </ac:spMkLst>
         </pc:spChg>
-        <pc:spChg chg="add mod">
-          <ac:chgData name="Lukas Schmid" userId="ec5adfe4448c9907" providerId="LiveId" clId="{0C1071D5-2FAA-434C-8120-31E29F8E3A62}" dt="2020-06-02T13:29:55.564" v="810"/>
+        <pc:spChg chg="add del mod">
+          <ac:chgData name="Lukas Schmid" userId="ec5adfe4448c9907" providerId="LiveId" clId="{0C1071D5-2FAA-434C-8120-31E29F8E3A62}" dt="2020-06-02T14:53:20.424" v="1056" actId="478"/>
           <ac:spMkLst>
             <pc:docMk/>
             <pc:sldMk cId="1177977133" sldId="314"/>
@@ -5155,7 +5165,7 @@
           </ac:spMkLst>
         </pc:spChg>
         <pc:spChg chg="mod">
-          <ac:chgData name="Lukas Schmid" userId="ec5adfe4448c9907" providerId="LiveId" clId="{0C1071D5-2FAA-434C-8120-31E29F8E3A62}" dt="2020-06-02T13:23:18.800" v="726" actId="1076"/>
+          <ac:chgData name="Lukas Schmid" userId="ec5adfe4448c9907" providerId="LiveId" clId="{0C1071D5-2FAA-434C-8120-31E29F8E3A62}" dt="2020-06-02T14:53:28.916" v="1057" actId="14430"/>
           <ac:spMkLst>
             <pc:docMk/>
             <pc:sldMk cId="1177977133" sldId="314"/>
@@ -5163,7 +5173,7 @@
           </ac:spMkLst>
         </pc:spChg>
         <pc:spChg chg="mod">
-          <ac:chgData name="Lukas Schmid" userId="ec5adfe4448c9907" providerId="LiveId" clId="{0C1071D5-2FAA-434C-8120-31E29F8E3A62}" dt="2020-06-02T13:23:24.689" v="728" actId="14100"/>
+          <ac:chgData name="Lukas Schmid" userId="ec5adfe4448c9907" providerId="LiveId" clId="{0C1071D5-2FAA-434C-8120-31E29F8E3A62}" dt="2020-06-02T14:53:29.321" v="1058" actId="14430"/>
           <ac:spMkLst>
             <pc:docMk/>
             <pc:sldMk cId="1177977133" sldId="314"/>
@@ -5226,13 +5236,13 @@
         </pc:spChg>
       </pc:sldChg>
       <pc:sldChg chg="addSp delSp modSp add del mod modAnim">
-        <pc:chgData name="Lukas Schmid" userId="ec5adfe4448c9907" providerId="LiveId" clId="{0C1071D5-2FAA-434C-8120-31E29F8E3A62}" dt="2020-06-02T13:36:56.380" v="908" actId="2696"/>
+        <pc:chgData name="Lukas Schmid" userId="ec5adfe4448c9907" providerId="LiveId" clId="{0C1071D5-2FAA-434C-8120-31E29F8E3A62}" dt="2020-06-02T14:52:48.791" v="1055"/>
         <pc:sldMkLst>
           <pc:docMk/>
           <pc:sldMk cId="1108344018" sldId="317"/>
         </pc:sldMkLst>
         <pc:spChg chg="mod">
-          <ac:chgData name="Lukas Schmid" userId="ec5adfe4448c9907" providerId="LiveId" clId="{0C1071D5-2FAA-434C-8120-31E29F8E3A62}" dt="2020-06-02T13:29:55.564" v="810"/>
+          <ac:chgData name="Lukas Schmid" userId="ec5adfe4448c9907" providerId="LiveId" clId="{0C1071D5-2FAA-434C-8120-31E29F8E3A62}" dt="2020-06-02T14:52:05.529" v="1050" actId="1076"/>
           <ac:spMkLst>
             <pc:docMk/>
             <pc:sldMk cId="1108344018" sldId="317"/>
@@ -5247,12 +5257,20 @@
             <ac:spMk id="3" creationId="{377E6EE3-DFFC-4C0F-B15E-65AD24407A2E}"/>
           </ac:spMkLst>
         </pc:spChg>
-        <pc:spChg chg="add mod">
-          <ac:chgData name="Lukas Schmid" userId="ec5adfe4448c9907" providerId="LiveId" clId="{0C1071D5-2FAA-434C-8120-31E29F8E3A62}" dt="2020-06-02T13:29:55.564" v="810"/>
+        <pc:spChg chg="add del mod">
+          <ac:chgData name="Lukas Schmid" userId="ec5adfe4448c9907" providerId="LiveId" clId="{0C1071D5-2FAA-434C-8120-31E29F8E3A62}" dt="2020-06-02T14:51:06.686" v="1040" actId="478"/>
           <ac:spMkLst>
             <pc:docMk/>
             <pc:sldMk cId="1108344018" sldId="317"/>
             <ac:spMk id="4" creationId="{62DFD682-3BFE-4146-B83B-20C5DD5DE87B}"/>
+          </ac:spMkLst>
+        </pc:spChg>
+        <pc:spChg chg="add mod">
+          <ac:chgData name="Lukas Schmid" userId="ec5adfe4448c9907" providerId="LiveId" clId="{0C1071D5-2FAA-434C-8120-31E29F8E3A62}" dt="2020-06-02T14:52:37.001" v="1054" actId="1076"/>
+          <ac:spMkLst>
+            <pc:docMk/>
+            <pc:sldMk cId="1108344018" sldId="317"/>
+            <ac:spMk id="15" creationId="{9F2C3497-D9B1-4993-B70F-4CE46798B2FA}"/>
           </ac:spMkLst>
         </pc:spChg>
         <pc:spChg chg="mod">
@@ -5296,7 +5314,7 @@
         </pc:spChg>
       </pc:sldChg>
       <pc:sldChg chg="delSp modSp new add del mod">
-        <pc:chgData name="Lukas Schmid" userId="ec5adfe4448c9907" providerId="LiveId" clId="{0C1071D5-2FAA-434C-8120-31E29F8E3A62}" dt="2020-06-02T13:43:37.533" v="1022" actId="478"/>
+        <pc:chgData name="Lukas Schmid" userId="ec5adfe4448c9907" providerId="LiveId" clId="{0C1071D5-2FAA-434C-8120-31E29F8E3A62}" dt="2020-06-02T14:40:23.081" v="1037" actId="478"/>
         <pc:sldMkLst>
           <pc:docMk/>
           <pc:sldMk cId="673139417" sldId="319"/>
@@ -5315,6 +5333,14 @@
             <pc:docMk/>
             <pc:sldMk cId="673139417" sldId="319"/>
             <ac:spMk id="3" creationId="{2B08C5D9-1A31-4533-AD66-F503F81357FC}"/>
+          </ac:spMkLst>
+        </pc:spChg>
+        <pc:spChg chg="del">
+          <ac:chgData name="Lukas Schmid" userId="ec5adfe4448c9907" providerId="LiveId" clId="{0C1071D5-2FAA-434C-8120-31E29F8E3A62}" dt="2020-06-02T14:40:23.081" v="1037" actId="478"/>
+          <ac:spMkLst>
+            <pc:docMk/>
+            <pc:sldMk cId="673139417" sldId="319"/>
+            <ac:spMk id="4" creationId="{B2E27347-CCA3-400D-8A7F-7E980C224154}"/>
           </ac:spMkLst>
         </pc:spChg>
         <pc:spChg chg="del">
@@ -8930,8 +8956,8 @@
           </a:p>
         </p:txBody>
       </p:sp>
-      <mc:AlternateContent xmlns:mc="http://schemas.openxmlformats.org/markup-compatibility/2006">
-        <mc:Choice xmlns:a14="http://schemas.microsoft.com/office/drawing/2010/main" Requires="a14">
+      <mc:AlternateContent xmlns:mc="http://schemas.openxmlformats.org/markup-compatibility/2006" xmlns:a14="http://schemas.microsoft.com/office/drawing/2010/main">
+        <mc:Choice Requires="a14">
           <p:sp>
             <p:nvSpPr>
               <p:cNvPr id="7" name="Ellipse 6">
@@ -9032,7 +9058,7 @@
             </p:txBody>
           </p:sp>
         </mc:Choice>
-        <mc:Fallback>
+        <mc:Fallback xmlns="">
           <p:sp>
             <p:nvSpPr>
               <p:cNvPr id="7" name="Ellipse 6">
@@ -9082,8 +9108,8 @@
           </p:sp>
         </mc:Fallback>
       </mc:AlternateContent>
-      <mc:AlternateContent xmlns:mc="http://schemas.openxmlformats.org/markup-compatibility/2006">
-        <mc:Choice xmlns:a14="http://schemas.microsoft.com/office/drawing/2010/main" Requires="a14">
+      <mc:AlternateContent xmlns:mc="http://schemas.openxmlformats.org/markup-compatibility/2006" xmlns:a14="http://schemas.microsoft.com/office/drawing/2010/main">
+        <mc:Choice Requires="a14">
           <p:sp>
             <p:nvSpPr>
               <p:cNvPr id="8" name="Ellipse 7">
@@ -9184,7 +9210,7 @@
             </p:txBody>
           </p:sp>
         </mc:Choice>
-        <mc:Fallback>
+        <mc:Fallback xmlns="">
           <p:sp>
             <p:nvSpPr>
               <p:cNvPr id="8" name="Ellipse 7">
@@ -9234,8 +9260,8 @@
           </p:sp>
         </mc:Fallback>
       </mc:AlternateContent>
-      <mc:AlternateContent xmlns:mc="http://schemas.openxmlformats.org/markup-compatibility/2006">
-        <mc:Choice xmlns:a14="http://schemas.microsoft.com/office/drawing/2010/main" Requires="a14">
+      <mc:AlternateContent xmlns:mc="http://schemas.openxmlformats.org/markup-compatibility/2006" xmlns:a14="http://schemas.microsoft.com/office/drawing/2010/main">
+        <mc:Choice Requires="a14">
           <p:sp>
             <p:nvSpPr>
               <p:cNvPr id="10" name="Ellipse 9">
@@ -9336,7 +9362,7 @@
             </p:txBody>
           </p:sp>
         </mc:Choice>
-        <mc:Fallback>
+        <mc:Fallback xmlns="">
           <p:sp>
             <p:nvSpPr>
               <p:cNvPr id="10" name="Ellipse 9">
@@ -9711,8 +9737,8 @@
           </mc:Fallback>
         </mc:AlternateContent>
       </p:grpSp>
-      <mc:AlternateContent xmlns:mc="http://schemas.openxmlformats.org/markup-compatibility/2006">
-        <mc:Choice xmlns:a14="http://schemas.microsoft.com/office/drawing/2010/main" Requires="a14">
+      <mc:AlternateContent xmlns:mc="http://schemas.openxmlformats.org/markup-compatibility/2006" xmlns:a14="http://schemas.microsoft.com/office/drawing/2010/main">
+        <mc:Choice Requires="a14">
           <p:sp>
             <p:nvSpPr>
               <p:cNvPr id="14" name="Ellipse 13">
@@ -9813,7 +9839,7 @@
             </p:txBody>
           </p:sp>
         </mc:Choice>
-        <mc:Fallback>
+        <mc:Fallback xmlns="">
           <p:sp>
             <p:nvSpPr>
               <p:cNvPr id="14" name="Ellipse 13">
@@ -9863,8 +9889,8 @@
           </p:sp>
         </mc:Fallback>
       </mc:AlternateContent>
-      <mc:AlternateContent xmlns:mc="http://schemas.openxmlformats.org/markup-compatibility/2006">
-        <mc:Choice xmlns:a14="http://schemas.microsoft.com/office/drawing/2010/main" Requires="a14">
+      <mc:AlternateContent xmlns:mc="http://schemas.openxmlformats.org/markup-compatibility/2006" xmlns:a14="http://schemas.microsoft.com/office/drawing/2010/main">
+        <mc:Choice Requires="a14">
           <p:sp>
             <p:nvSpPr>
               <p:cNvPr id="15" name="Ellipse 14">
@@ -9965,7 +9991,7 @@
             </p:txBody>
           </p:sp>
         </mc:Choice>
-        <mc:Fallback>
+        <mc:Fallback xmlns="">
           <p:sp>
             <p:nvSpPr>
               <p:cNvPr id="15" name="Ellipse 14">
@@ -10338,8 +10364,8 @@
           </a:fontRef>
         </p:style>
       </p:cxnSp>
-      <mc:AlternateContent xmlns:mc="http://schemas.openxmlformats.org/markup-compatibility/2006">
-        <mc:Choice xmlns:a14="http://schemas.microsoft.com/office/drawing/2010/main" Requires="a14">
+      <mc:AlternateContent xmlns:mc="http://schemas.openxmlformats.org/markup-compatibility/2006" xmlns:a14="http://schemas.microsoft.com/office/drawing/2010/main">
+        <mc:Choice Requires="a14">
           <p:sp>
             <p:nvSpPr>
               <p:cNvPr id="23" name="Textfeld 22">
@@ -10427,7 +10453,7 @@
             </p:txBody>
           </p:sp>
         </mc:Choice>
-        <mc:Fallback>
+        <mc:Fallback xmlns="">
           <p:sp>
             <p:nvSpPr>
               <p:cNvPr id="23" name="Textfeld 22">
@@ -10472,8 +10498,8 @@
           </p:sp>
         </mc:Fallback>
       </mc:AlternateContent>
-      <mc:AlternateContent xmlns:mc="http://schemas.openxmlformats.org/markup-compatibility/2006">
-        <mc:Choice xmlns:a14="http://schemas.microsoft.com/office/drawing/2010/main" Requires="a14">
+      <mc:AlternateContent xmlns:mc="http://schemas.openxmlformats.org/markup-compatibility/2006" xmlns:a14="http://schemas.microsoft.com/office/drawing/2010/main">
+        <mc:Choice Requires="a14">
           <p:sp>
             <p:nvSpPr>
               <p:cNvPr id="24" name="Textfeld 23">
@@ -10543,7 +10569,7 @@
             </p:txBody>
           </p:sp>
         </mc:Choice>
-        <mc:Fallback>
+        <mc:Fallback xmlns="">
           <p:sp>
             <p:nvSpPr>
               <p:cNvPr id="24" name="Textfeld 23">
@@ -10588,8 +10614,8 @@
           </p:sp>
         </mc:Fallback>
       </mc:AlternateContent>
-      <mc:AlternateContent xmlns:mc="http://schemas.openxmlformats.org/markup-compatibility/2006">
-        <mc:Choice xmlns:a14="http://schemas.microsoft.com/office/drawing/2010/main" Requires="a14">
+      <mc:AlternateContent xmlns:mc="http://schemas.openxmlformats.org/markup-compatibility/2006" xmlns:a14="http://schemas.microsoft.com/office/drawing/2010/main">
+        <mc:Choice Requires="a14">
           <p:sp>
             <p:nvSpPr>
               <p:cNvPr id="25" name="Textfeld 24">
@@ -10677,7 +10703,7 @@
             </p:txBody>
           </p:sp>
         </mc:Choice>
-        <mc:Fallback>
+        <mc:Fallback xmlns="">
           <p:sp>
             <p:nvSpPr>
               <p:cNvPr id="25" name="Textfeld 24">
@@ -10722,8 +10748,8 @@
           </p:sp>
         </mc:Fallback>
       </mc:AlternateContent>
-      <mc:AlternateContent xmlns:mc="http://schemas.openxmlformats.org/markup-compatibility/2006">
-        <mc:Choice xmlns:a14="http://schemas.microsoft.com/office/drawing/2010/main" Requires="a14">
+      <mc:AlternateContent xmlns:mc="http://schemas.openxmlformats.org/markup-compatibility/2006" xmlns:a14="http://schemas.microsoft.com/office/drawing/2010/main">
+        <mc:Choice Requires="a14">
           <p:sp>
             <p:nvSpPr>
               <p:cNvPr id="26" name="Textfeld 25">
@@ -10799,7 +10825,7 @@
             </p:txBody>
           </p:sp>
         </mc:Choice>
-        <mc:Fallback>
+        <mc:Fallback xmlns="">
           <p:sp>
             <p:nvSpPr>
               <p:cNvPr id="26" name="Textfeld 25">
@@ -10844,8 +10870,8 @@
           </p:sp>
         </mc:Fallback>
       </mc:AlternateContent>
-      <mc:AlternateContent xmlns:mc="http://schemas.openxmlformats.org/markup-compatibility/2006">
-        <mc:Choice xmlns:a14="http://schemas.microsoft.com/office/drawing/2010/main" Requires="a14">
+      <mc:AlternateContent xmlns:mc="http://schemas.openxmlformats.org/markup-compatibility/2006" xmlns:a14="http://schemas.microsoft.com/office/drawing/2010/main">
+        <mc:Choice Requires="a14">
           <p:sp>
             <p:nvSpPr>
               <p:cNvPr id="27" name="Textfeld 26">
@@ -10895,7 +10921,7 @@
             </p:txBody>
           </p:sp>
         </mc:Choice>
-        <mc:Fallback>
+        <mc:Fallback xmlns="">
           <p:sp>
             <p:nvSpPr>
               <p:cNvPr id="27" name="Textfeld 26">
@@ -10940,8 +10966,8 @@
           </p:sp>
         </mc:Fallback>
       </mc:AlternateContent>
-      <mc:AlternateContent xmlns:mc="http://schemas.openxmlformats.org/markup-compatibility/2006">
-        <mc:Choice xmlns:a14="http://schemas.microsoft.com/office/drawing/2010/main" Requires="a14">
+      <mc:AlternateContent xmlns:mc="http://schemas.openxmlformats.org/markup-compatibility/2006" xmlns:a14="http://schemas.microsoft.com/office/drawing/2010/main">
+        <mc:Choice Requires="a14">
           <p:sp>
             <p:nvSpPr>
               <p:cNvPr id="28" name="Textfeld 27">
@@ -10991,7 +11017,7 @@
             </p:txBody>
           </p:sp>
         </mc:Choice>
-        <mc:Fallback>
+        <mc:Fallback xmlns="">
           <p:sp>
             <p:nvSpPr>
               <p:cNvPr id="28" name="Textfeld 27">
@@ -11036,8 +11062,8 @@
           </p:sp>
         </mc:Fallback>
       </mc:AlternateContent>
-      <mc:AlternateContent xmlns:mc="http://schemas.openxmlformats.org/markup-compatibility/2006">
-        <mc:Choice xmlns:a14="http://schemas.microsoft.com/office/drawing/2010/main" Requires="a14">
+      <mc:AlternateContent xmlns:mc="http://schemas.openxmlformats.org/markup-compatibility/2006" xmlns:a14="http://schemas.microsoft.com/office/drawing/2010/main">
+        <mc:Choice Requires="a14">
           <p:sp>
             <p:nvSpPr>
               <p:cNvPr id="29" name="Textfeld 28">
@@ -11113,7 +11139,7 @@
             </p:txBody>
           </p:sp>
         </mc:Choice>
-        <mc:Fallback>
+        <mc:Fallback xmlns="">
           <p:sp>
             <p:nvSpPr>
               <p:cNvPr id="29" name="Textfeld 28">
@@ -14607,24 +14633,6 @@
           </a:p>
         </p:txBody>
       </p:sp>
-      <p:sp>
-        <p:nvSpPr>
-          <p:cNvPr id="4" name="Bildplatzhalter 3">
-            <a:extLst>
-              <a:ext uri="{FF2B5EF4-FFF2-40B4-BE49-F238E27FC236}">
-                <a16:creationId xmlns:a16="http://schemas.microsoft.com/office/drawing/2014/main" id="{B2E27347-CCA3-400D-8A7F-7E980C224154}"/>
-              </a:ext>
-            </a:extLst>
-          </p:cNvPr>
-          <p:cNvSpPr>
-            <a:spLocks noGrp="1"/>
-          </p:cNvSpPr>
-          <p:nvPr>
-            <p:ph type="pic" sz="quarter" idx="15"/>
-          </p:nvPr>
-        </p:nvSpPr>
-        <p:spPr/>
-      </p:sp>
     </p:spTree>
     <p:extLst>
       <p:ext uri="{BB962C8B-B14F-4D97-AF65-F5344CB8AC3E}">
@@ -16032,8 +16040,8 @@
           </a:p>
         </p:txBody>
       </p:sp>
-      <mc:AlternateContent xmlns:mc="http://schemas.openxmlformats.org/markup-compatibility/2006">
-        <mc:Choice xmlns:a14="http://schemas.microsoft.com/office/drawing/2010/main" Requires="a14">
+      <mc:AlternateContent xmlns:mc="http://schemas.openxmlformats.org/markup-compatibility/2006" xmlns:a14="http://schemas.microsoft.com/office/drawing/2010/main">
+        <mc:Choice Requires="a14">
           <p:sp>
             <p:nvSpPr>
               <p:cNvPr id="4" name="Textplatzhalter 3">
@@ -16181,7 +16189,7 @@
             </p:txBody>
           </p:sp>
         </mc:Choice>
-        <mc:Fallback>
+        <mc:Fallback xmlns="">
           <p:sp>
             <p:nvSpPr>
               <p:cNvPr id="4" name="Textplatzhalter 3">
@@ -16450,8 +16458,8 @@
           </a:p>
         </p:txBody>
       </p:sp>
-      <mc:AlternateContent xmlns:mc="http://schemas.openxmlformats.org/markup-compatibility/2006">
-        <mc:Choice xmlns:a14="http://schemas.microsoft.com/office/drawing/2010/main" Requires="a14">
+      <mc:AlternateContent xmlns:mc="http://schemas.openxmlformats.org/markup-compatibility/2006" xmlns:a14="http://schemas.microsoft.com/office/drawing/2010/main">
+        <mc:Choice Requires="a14">
           <p:sp>
             <p:nvSpPr>
               <p:cNvPr id="4" name="Textplatzhalter 3">
@@ -16610,7 +16618,7 @@
             </p:txBody>
           </p:sp>
         </mc:Choice>
-        <mc:Fallback>
+        <mc:Fallback xmlns="">
           <p:sp>
             <p:nvSpPr>
               <p:cNvPr id="4" name="Textplatzhalter 3">
@@ -18857,8 +18865,8 @@
           </a:fontRef>
         </p:style>
       </p:cxnSp>
-      <mc:AlternateContent xmlns:mc="http://schemas.openxmlformats.org/markup-compatibility/2006">
-        <mc:Choice xmlns:a14="http://schemas.microsoft.com/office/drawing/2010/main" Requires="a14">
+      <mc:AlternateContent xmlns:mc="http://schemas.openxmlformats.org/markup-compatibility/2006" xmlns:a14="http://schemas.microsoft.com/office/drawing/2010/main">
+        <mc:Choice Requires="a14">
           <p:sp>
             <p:nvSpPr>
               <p:cNvPr id="33" name="Textfeld 32">
@@ -18934,7 +18942,7 @@
             </p:txBody>
           </p:sp>
         </mc:Choice>
-        <mc:Fallback>
+        <mc:Fallback xmlns="">
           <p:sp>
             <p:nvSpPr>
               <p:cNvPr id="33" name="Textfeld 32">
@@ -18979,8 +18987,8 @@
           </p:sp>
         </mc:Fallback>
       </mc:AlternateContent>
-      <mc:AlternateContent xmlns:mc="http://schemas.openxmlformats.org/markup-compatibility/2006">
-        <mc:Choice xmlns:a14="http://schemas.microsoft.com/office/drawing/2010/main" Requires="a14">
+      <mc:AlternateContent xmlns:mc="http://schemas.openxmlformats.org/markup-compatibility/2006" xmlns:a14="http://schemas.microsoft.com/office/drawing/2010/main">
+        <mc:Choice Requires="a14">
           <p:sp>
             <p:nvSpPr>
               <p:cNvPr id="35" name="Ellipse 34">
@@ -19081,7 +19089,7 @@
             </p:txBody>
           </p:sp>
         </mc:Choice>
-        <mc:Fallback>
+        <mc:Fallback xmlns="">
           <p:sp>
             <p:nvSpPr>
               <p:cNvPr id="35" name="Ellipse 34">
@@ -19900,859 +19908,6 @@
           <p:cNvPr id="2" name="Titel 1">
             <a:extLst>
               <a:ext uri="{FF2B5EF4-FFF2-40B4-BE49-F238E27FC236}">
-                <a16:creationId xmlns:a16="http://schemas.microsoft.com/office/drawing/2014/main" id="{E04DE09D-9029-44B1-8768-CA82E0869418}"/>
-              </a:ext>
-            </a:extLst>
-          </p:cNvPr>
-          <p:cNvSpPr>
-            <a:spLocks noGrp="1"/>
-          </p:cNvSpPr>
-          <p:nvPr>
-            <p:ph type="title"/>
-          </p:nvPr>
-        </p:nvSpPr>
-        <p:spPr/>
-        <p:txBody>
-          <a:bodyPr/>
-          <a:lstStyle/>
-          <a:p>
-            <a:r>
-              <a:rPr lang="de-DE" dirty="0" err="1"/>
-              <a:t>Simulating</a:t>
-            </a:r>
-            <a:r>
-              <a:rPr lang="de-DE" dirty="0"/>
-              <a:t> Data</a:t>
-            </a:r>
-          </a:p>
-        </p:txBody>
-      </p:sp>
-      <p:grpSp>
-        <p:nvGrpSpPr>
-          <p:cNvPr id="3" name="Gruppieren 2">
-            <a:extLst>
-              <a:ext uri="{FF2B5EF4-FFF2-40B4-BE49-F238E27FC236}">
-                <a16:creationId xmlns:a16="http://schemas.microsoft.com/office/drawing/2014/main" id="{B24B06A4-EBEB-4923-A244-E32C26B9AAB1}"/>
-              </a:ext>
-            </a:extLst>
-          </p:cNvPr>
-          <p:cNvGrpSpPr/>
-          <p:nvPr/>
-        </p:nvGrpSpPr>
-        <p:grpSpPr>
-          <a:xfrm>
-            <a:off x="4394223" y="1908949"/>
-            <a:ext cx="3508206" cy="4229140"/>
-            <a:chOff x="4394223" y="1908949"/>
-            <a:chExt cx="3508206" cy="4229140"/>
-          </a:xfrm>
-        </p:grpSpPr>
-        <mc:AlternateContent xmlns:mc="http://schemas.openxmlformats.org/markup-compatibility/2006" xmlns:a14="http://schemas.microsoft.com/office/drawing/2010/main">
-          <mc:Choice Requires="a14">
-            <p:sp>
-              <p:nvSpPr>
-                <p:cNvPr id="6" name="Rechteck 5">
-                  <a:extLst>
-                    <a:ext uri="{FF2B5EF4-FFF2-40B4-BE49-F238E27FC236}">
-                      <a16:creationId xmlns:a16="http://schemas.microsoft.com/office/drawing/2014/main" id="{93DFE7B3-8E11-4FF4-9793-53CDE5214E8E}"/>
-                    </a:ext>
-                  </a:extLst>
-                </p:cNvPr>
-                <p:cNvSpPr/>
-                <p:nvPr userDrawn="1"/>
-              </p:nvSpPr>
-              <p:spPr>
-                <a:xfrm>
-                  <a:off x="4394223" y="5291422"/>
-                  <a:ext cx="846667" cy="846667"/>
-                </a:xfrm>
-                <a:prstGeom prst="rect">
-                  <a:avLst/>
-                </a:prstGeom>
-                <a:noFill/>
-                <a:ln w="12700">
-                  <a:solidFill>
-                    <a:schemeClr val="tx1"/>
-                  </a:solidFill>
-                </a:ln>
-              </p:spPr>
-              <p:style>
-                <a:lnRef idx="2">
-                  <a:schemeClr val="accent1">
-                    <a:shade val="50000"/>
-                  </a:schemeClr>
-                </a:lnRef>
-                <a:fillRef idx="1">
-                  <a:schemeClr val="accent1"/>
-                </a:fillRef>
-                <a:effectRef idx="0">
-                  <a:schemeClr val="accent1"/>
-                </a:effectRef>
-                <a:fontRef idx="minor">
-                  <a:schemeClr val="lt1"/>
-                </a:fontRef>
-              </p:style>
-              <p:txBody>
-                <a:bodyPr rIns="0" rtlCol="0" anchor="ctr"/>
-                <a:lstStyle/>
-                <a:p>
-                  <a:pPr algn="ctr"/>
-                  <a14:m>
-                    <m:oMathPara xmlns:m="http://schemas.openxmlformats.org/officeDocument/2006/math">
-                      <m:oMathParaPr>
-                        <m:jc m:val="centerGroup"/>
-                      </m:oMathParaPr>
-                      <m:oMath xmlns:m="http://schemas.openxmlformats.org/officeDocument/2006/math">
-                        <m:sSubSup>
-                          <m:sSubSupPr>
-                            <m:ctrlPr>
-                              <a:rPr lang="de-DE" i="1" smtClean="0">
-                                <a:solidFill>
-                                  <a:sysClr val="windowText" lastClr="000000"/>
-                                </a:solidFill>
-                                <a:latin typeface="Cambria Math" panose="02040503050406030204" pitchFamily="18" charset="0"/>
-                              </a:rPr>
-                            </m:ctrlPr>
-                          </m:sSubSupPr>
-                          <m:e>
-                            <m:r>
-                              <a:rPr lang="en-GB" b="0" i="1" smtClean="0">
-                                <a:solidFill>
-                                  <a:sysClr val="windowText" lastClr="000000"/>
-                                </a:solidFill>
-                                <a:latin typeface="Cambria Math" panose="02040503050406030204" pitchFamily="18" charset="0"/>
-                              </a:rPr>
-                              <m:t>𝐷</m:t>
-                            </m:r>
-                          </m:e>
-                          <m:sub>
-                            <m:r>
-                              <a:rPr lang="en-GB" b="0" i="1" smtClean="0">
-                                <a:solidFill>
-                                  <a:sysClr val="windowText" lastClr="000000"/>
-                                </a:solidFill>
-                                <a:latin typeface="Cambria Math" panose="02040503050406030204" pitchFamily="18" charset="0"/>
-                              </a:rPr>
-                              <m:t>𝑘</m:t>
-                            </m:r>
-                          </m:sub>
-                          <m:sup>
-                            <m:r>
-                              <a:rPr lang="en-GB" b="0" i="1" smtClean="0">
-                                <a:solidFill>
-                                  <a:sysClr val="windowText" lastClr="000000"/>
-                                </a:solidFill>
-                                <a:latin typeface="Cambria Math" panose="02040503050406030204" pitchFamily="18" charset="0"/>
-                              </a:rPr>
-                              <m:t>𝑐𝑎𝑠𝑒𝑠</m:t>
-                            </m:r>
-                          </m:sup>
-                        </m:sSubSup>
-                      </m:oMath>
-                    </m:oMathPara>
-                  </a14:m>
-                  <a:endParaRPr lang="de-DE" dirty="0">
-                    <a:solidFill>
-                      <a:sysClr val="windowText" lastClr="000000"/>
-                    </a:solidFill>
-                  </a:endParaRPr>
-                </a:p>
-              </p:txBody>
-            </p:sp>
-          </mc:Choice>
-          <mc:Fallback xmlns="">
-            <p:sp>
-              <p:nvSpPr>
-                <p:cNvPr id="6" name="Rechteck 5">
-                  <a:extLst>
-                    <a:ext uri="{FF2B5EF4-FFF2-40B4-BE49-F238E27FC236}">
-                      <a16:creationId xmlns:a16="http://schemas.microsoft.com/office/drawing/2014/main" id="{93DFE7B3-8E11-4FF4-9793-53CDE5214E8E}"/>
-                    </a:ext>
-                  </a:extLst>
-                </p:cNvPr>
-                <p:cNvSpPr>
-                  <a:spLocks noRot="1" noChangeAspect="1" noMove="1" noResize="1" noEditPoints="1" noAdjustHandles="1" noChangeArrowheads="1" noChangeShapeType="1" noTextEdit="1"/>
-                </p:cNvSpPr>
-                <p:nvPr userDrawn="1"/>
-              </p:nvSpPr>
-              <p:spPr>
-                <a:xfrm>
-                  <a:off x="4394223" y="5291422"/>
-                  <a:ext cx="846667" cy="846667"/>
-                </a:xfrm>
-                <a:prstGeom prst="rect">
-                  <a:avLst/>
-                </a:prstGeom>
-                <a:blipFill>
-                  <a:blip r:embed="rId2"/>
-                  <a:stretch>
-                    <a:fillRect/>
-                  </a:stretch>
-                </a:blipFill>
-                <a:ln w="12700">
-                  <a:solidFill>
-                    <a:schemeClr val="tx1"/>
-                  </a:solidFill>
-                </a:ln>
-              </p:spPr>
-              <p:txBody>
-                <a:bodyPr/>
-                <a:lstStyle/>
-                <a:p>
-                  <a:r>
-                    <a:rPr lang="de-DE">
-                      <a:noFill/>
-                    </a:rPr>
-                    <a:t> </a:t>
-                  </a:r>
-                </a:p>
-              </p:txBody>
-            </p:sp>
-          </mc:Fallback>
-        </mc:AlternateContent>
-        <mc:AlternateContent xmlns:mc="http://schemas.openxmlformats.org/markup-compatibility/2006" xmlns:a14="http://schemas.microsoft.com/office/drawing/2010/main">
-          <mc:Choice Requires="a14">
-            <p:sp>
-              <p:nvSpPr>
-                <p:cNvPr id="7" name="Rechteck 6">
-                  <a:extLst>
-                    <a:ext uri="{FF2B5EF4-FFF2-40B4-BE49-F238E27FC236}">
-                      <a16:creationId xmlns:a16="http://schemas.microsoft.com/office/drawing/2014/main" id="{682B12AA-B125-43B4-9AAC-FC96E5E65A8C}"/>
-                    </a:ext>
-                  </a:extLst>
-                </p:cNvPr>
-                <p:cNvSpPr/>
-                <p:nvPr userDrawn="1"/>
-              </p:nvSpPr>
-              <p:spPr>
-                <a:xfrm>
-                  <a:off x="4394224" y="4163932"/>
-                  <a:ext cx="846667" cy="846667"/>
-                </a:xfrm>
-                <a:prstGeom prst="rect">
-                  <a:avLst/>
-                </a:prstGeom>
-                <a:noFill/>
-                <a:ln w="12700">
-                  <a:solidFill>
-                    <a:schemeClr val="tx1"/>
-                  </a:solidFill>
-                </a:ln>
-              </p:spPr>
-              <p:style>
-                <a:lnRef idx="2">
-                  <a:schemeClr val="accent1">
-                    <a:shade val="50000"/>
-                  </a:schemeClr>
-                </a:lnRef>
-                <a:fillRef idx="1">
-                  <a:schemeClr val="accent1"/>
-                </a:fillRef>
-                <a:effectRef idx="0">
-                  <a:schemeClr val="accent1"/>
-                </a:effectRef>
-                <a:fontRef idx="minor">
-                  <a:schemeClr val="lt1"/>
-                </a:fontRef>
-              </p:style>
-              <p:txBody>
-                <a:bodyPr rIns="0" rtlCol="0" anchor="ctr"/>
-                <a:lstStyle/>
-                <a:p>
-                  <a:pPr algn="ctr"/>
-                  <a14:m>
-                    <m:oMathPara xmlns:m="http://schemas.openxmlformats.org/officeDocument/2006/math">
-                      <m:oMathParaPr>
-                        <m:jc m:val="centerGroup"/>
-                      </m:oMathParaPr>
-                      <m:oMath xmlns:m="http://schemas.openxmlformats.org/officeDocument/2006/math">
-                        <m:sSub>
-                          <m:sSubPr>
-                            <m:ctrlPr>
-                              <a:rPr lang="de-DE" i="1" smtClean="0">
-                                <a:solidFill>
-                                  <a:sysClr val="windowText" lastClr="000000"/>
-                                </a:solidFill>
-                                <a:latin typeface="Cambria Math" panose="02040503050406030204" pitchFamily="18" charset="0"/>
-                              </a:rPr>
-                            </m:ctrlPr>
-                          </m:sSubPr>
-                          <m:e>
-                            <m:r>
-                              <a:rPr lang="en-GB" b="0" i="1" smtClean="0">
-                                <a:solidFill>
-                                  <a:sysClr val="windowText" lastClr="000000"/>
-                                </a:solidFill>
-                                <a:latin typeface="Cambria Math" panose="02040503050406030204" pitchFamily="18" charset="0"/>
-                              </a:rPr>
-                              <m:t>𝑅</m:t>
-                            </m:r>
-                          </m:e>
-                          <m:sub>
-                            <m:r>
-                              <a:rPr lang="en-GB" b="0" i="1" smtClean="0">
-                                <a:solidFill>
-                                  <a:sysClr val="windowText" lastClr="000000"/>
-                                </a:solidFill>
-                                <a:latin typeface="Cambria Math" panose="02040503050406030204" pitchFamily="18" charset="0"/>
-                              </a:rPr>
-                              <m:t>𝑡</m:t>
-                            </m:r>
-                          </m:sub>
-                        </m:sSub>
-                      </m:oMath>
-                    </m:oMathPara>
-                  </a14:m>
-                  <a:endParaRPr lang="de-DE" dirty="0">
-                    <a:solidFill>
-                      <a:sysClr val="windowText" lastClr="000000"/>
-                    </a:solidFill>
-                  </a:endParaRPr>
-                </a:p>
-              </p:txBody>
-            </p:sp>
-          </mc:Choice>
-          <mc:Fallback xmlns="">
-            <p:sp>
-              <p:nvSpPr>
-                <p:cNvPr id="7" name="Rechteck 6">
-                  <a:extLst>
-                    <a:ext uri="{FF2B5EF4-FFF2-40B4-BE49-F238E27FC236}">
-                      <a16:creationId xmlns:a16="http://schemas.microsoft.com/office/drawing/2014/main" id="{682B12AA-B125-43B4-9AAC-FC96E5E65A8C}"/>
-                    </a:ext>
-                  </a:extLst>
-                </p:cNvPr>
-                <p:cNvSpPr>
-                  <a:spLocks noRot="1" noChangeAspect="1" noMove="1" noResize="1" noEditPoints="1" noAdjustHandles="1" noChangeArrowheads="1" noChangeShapeType="1" noTextEdit="1"/>
-                </p:cNvSpPr>
-                <p:nvPr userDrawn="1"/>
-              </p:nvSpPr>
-              <p:spPr>
-                <a:xfrm>
-                  <a:off x="4394224" y="4163932"/>
-                  <a:ext cx="846667" cy="846667"/>
-                </a:xfrm>
-                <a:prstGeom prst="rect">
-                  <a:avLst/>
-                </a:prstGeom>
-                <a:blipFill>
-                  <a:blip r:embed="rId3"/>
-                  <a:stretch>
-                    <a:fillRect/>
-                  </a:stretch>
-                </a:blipFill>
-                <a:ln w="12700">
-                  <a:solidFill>
-                    <a:schemeClr val="tx1"/>
-                  </a:solidFill>
-                </a:ln>
-              </p:spPr>
-              <p:txBody>
-                <a:bodyPr/>
-                <a:lstStyle/>
-                <a:p>
-                  <a:r>
-                    <a:rPr lang="de-DE">
-                      <a:noFill/>
-                    </a:rPr>
-                    <a:t> </a:t>
-                  </a:r>
-                </a:p>
-              </p:txBody>
-            </p:sp>
-          </mc:Fallback>
-        </mc:AlternateContent>
-        <mc:AlternateContent xmlns:mc="http://schemas.openxmlformats.org/markup-compatibility/2006" xmlns:a14="http://schemas.microsoft.com/office/drawing/2010/main">
-          <mc:Choice Requires="a14">
-            <p:sp>
-              <p:nvSpPr>
-                <p:cNvPr id="8" name="Rechteck 7">
-                  <a:extLst>
-                    <a:ext uri="{FF2B5EF4-FFF2-40B4-BE49-F238E27FC236}">
-                      <a16:creationId xmlns:a16="http://schemas.microsoft.com/office/drawing/2014/main" id="{8467B0E4-771D-49F0-94CC-6C25EB7186AD}"/>
-                    </a:ext>
-                  </a:extLst>
-                </p:cNvPr>
-                <p:cNvSpPr/>
-                <p:nvPr userDrawn="1"/>
-              </p:nvSpPr>
-              <p:spPr>
-                <a:xfrm>
-                  <a:off x="4394224" y="3036441"/>
-                  <a:ext cx="846667" cy="846667"/>
-                </a:xfrm>
-                <a:prstGeom prst="rect">
-                  <a:avLst/>
-                </a:prstGeom>
-                <a:noFill/>
-                <a:ln w="12700">
-                  <a:solidFill>
-                    <a:schemeClr val="tx1"/>
-                  </a:solidFill>
-                </a:ln>
-              </p:spPr>
-              <p:style>
-                <a:lnRef idx="2">
-                  <a:schemeClr val="accent1">
-                    <a:shade val="50000"/>
-                  </a:schemeClr>
-                </a:lnRef>
-                <a:fillRef idx="1">
-                  <a:schemeClr val="accent1"/>
-                </a:fillRef>
-                <a:effectRef idx="0">
-                  <a:schemeClr val="accent1"/>
-                </a:effectRef>
-                <a:fontRef idx="minor">
-                  <a:schemeClr val="lt1"/>
-                </a:fontRef>
-              </p:style>
-              <p:txBody>
-                <a:bodyPr rIns="0" rtlCol="0" anchor="ctr"/>
-                <a:lstStyle/>
-                <a:p>
-                  <a:pPr algn="ctr"/>
-                  <a14:m>
-                    <m:oMathPara xmlns:m="http://schemas.openxmlformats.org/officeDocument/2006/math">
-                      <m:oMathParaPr>
-                        <m:jc m:val="centerGroup"/>
-                      </m:oMathParaPr>
-                      <m:oMath xmlns:m="http://schemas.openxmlformats.org/officeDocument/2006/math">
-                        <m:sSub>
-                          <m:sSubPr>
-                            <m:ctrlPr>
-                              <a:rPr lang="de-DE" i="1" smtClean="0">
-                                <a:solidFill>
-                                  <a:sysClr val="windowText" lastClr="000000"/>
-                                </a:solidFill>
-                                <a:latin typeface="Cambria Math" panose="02040503050406030204" pitchFamily="18" charset="0"/>
-                              </a:rPr>
-                            </m:ctrlPr>
-                          </m:sSubPr>
-                          <m:e>
-                            <m:r>
-                              <a:rPr lang="de-DE" b="0" i="1" smtClean="0">
-                                <a:solidFill>
-                                  <a:sysClr val="windowText" lastClr="000000"/>
-                                </a:solidFill>
-                                <a:latin typeface="Cambria Math" panose="02040503050406030204" pitchFamily="18" charset="0"/>
-                              </a:rPr>
-                              <m:t>𝑀</m:t>
-                            </m:r>
-                          </m:e>
-                          <m:sub>
-                            <m:r>
-                              <a:rPr lang="en-GB" b="0" i="1" smtClean="0">
-                                <a:solidFill>
-                                  <a:sysClr val="windowText" lastClr="000000"/>
-                                </a:solidFill>
-                                <a:latin typeface="Cambria Math" panose="02040503050406030204" pitchFamily="18" charset="0"/>
-                              </a:rPr>
-                              <m:t>𝑡</m:t>
-                            </m:r>
-                          </m:sub>
-                        </m:sSub>
-                      </m:oMath>
-                    </m:oMathPara>
-                  </a14:m>
-                  <a:endParaRPr lang="de-DE" dirty="0">
-                    <a:solidFill>
-                      <a:sysClr val="windowText" lastClr="000000"/>
-                    </a:solidFill>
-                  </a:endParaRPr>
-                </a:p>
-              </p:txBody>
-            </p:sp>
-          </mc:Choice>
-          <mc:Fallback xmlns="">
-            <p:sp>
-              <p:nvSpPr>
-                <p:cNvPr id="8" name="Rechteck 7">
-                  <a:extLst>
-                    <a:ext uri="{FF2B5EF4-FFF2-40B4-BE49-F238E27FC236}">
-                      <a16:creationId xmlns:a16="http://schemas.microsoft.com/office/drawing/2014/main" id="{8467B0E4-771D-49F0-94CC-6C25EB7186AD}"/>
-                    </a:ext>
-                  </a:extLst>
-                </p:cNvPr>
-                <p:cNvSpPr>
-                  <a:spLocks noRot="1" noChangeAspect="1" noMove="1" noResize="1" noEditPoints="1" noAdjustHandles="1" noChangeArrowheads="1" noChangeShapeType="1" noTextEdit="1"/>
-                </p:cNvSpPr>
-                <p:nvPr userDrawn="1"/>
-              </p:nvSpPr>
-              <p:spPr>
-                <a:xfrm>
-                  <a:off x="4394224" y="3036441"/>
-                  <a:ext cx="846667" cy="846667"/>
-                </a:xfrm>
-                <a:prstGeom prst="rect">
-                  <a:avLst/>
-                </a:prstGeom>
-                <a:blipFill>
-                  <a:blip r:embed="rId4"/>
-                  <a:stretch>
-                    <a:fillRect/>
-                  </a:stretch>
-                </a:blipFill>
-                <a:ln w="12700">
-                  <a:solidFill>
-                    <a:schemeClr val="tx1"/>
-                  </a:solidFill>
-                </a:ln>
-              </p:spPr>
-              <p:txBody>
-                <a:bodyPr/>
-                <a:lstStyle/>
-                <a:p>
-                  <a:r>
-                    <a:rPr lang="de-DE">
-                      <a:noFill/>
-                    </a:rPr>
-                    <a:t> </a:t>
-                  </a:r>
-                </a:p>
-              </p:txBody>
-            </p:sp>
-          </mc:Fallback>
-        </mc:AlternateContent>
-        <mc:AlternateContent xmlns:mc="http://schemas.openxmlformats.org/markup-compatibility/2006" xmlns:a14="http://schemas.microsoft.com/office/drawing/2010/main">
-          <mc:Choice Requires="a14">
-            <p:sp>
-              <p:nvSpPr>
-                <p:cNvPr id="9" name="Rechteck 8">
-                  <a:extLst>
-                    <a:ext uri="{FF2B5EF4-FFF2-40B4-BE49-F238E27FC236}">
-                      <a16:creationId xmlns:a16="http://schemas.microsoft.com/office/drawing/2014/main" id="{541E2E2A-73B4-4B57-900B-62586D792C14}"/>
-                    </a:ext>
-                  </a:extLst>
-                </p:cNvPr>
-                <p:cNvSpPr/>
-                <p:nvPr userDrawn="1"/>
-              </p:nvSpPr>
-              <p:spPr>
-                <a:xfrm>
-                  <a:off x="4394224" y="1908950"/>
-                  <a:ext cx="846667" cy="846667"/>
-                </a:xfrm>
-                <a:prstGeom prst="rect">
-                  <a:avLst/>
-                </a:prstGeom>
-                <a:noFill/>
-                <a:ln w="12700">
-                  <a:solidFill>
-                    <a:schemeClr val="tx1"/>
-                  </a:solidFill>
-                </a:ln>
-              </p:spPr>
-              <p:style>
-                <a:lnRef idx="2">
-                  <a:schemeClr val="accent1">
-                    <a:shade val="50000"/>
-                  </a:schemeClr>
-                </a:lnRef>
-                <a:fillRef idx="1">
-                  <a:schemeClr val="accent1"/>
-                </a:fillRef>
-                <a:effectRef idx="0">
-                  <a:schemeClr val="accent1"/>
-                </a:effectRef>
-                <a:fontRef idx="minor">
-                  <a:schemeClr val="lt1"/>
-                </a:fontRef>
-              </p:style>
-              <p:txBody>
-                <a:bodyPr rIns="0" rtlCol="0" anchor="ctr"/>
-                <a:lstStyle/>
-                <a:p>
-                  <a:pPr algn="ctr"/>
-                  <a14:m>
-                    <m:oMathPara xmlns:m="http://schemas.openxmlformats.org/officeDocument/2006/math">
-                      <m:oMathParaPr>
-                        <m:jc m:val="centerGroup"/>
-                      </m:oMathParaPr>
-                      <m:oMath xmlns:m="http://schemas.openxmlformats.org/officeDocument/2006/math">
-                        <m:sSubSup>
-                          <m:sSubSupPr>
-                            <m:ctrlPr>
-                              <a:rPr lang="de-DE" i="1" smtClean="0">
-                                <a:solidFill>
-                                  <a:sysClr val="windowText" lastClr="000000"/>
-                                </a:solidFill>
-                                <a:latin typeface="Cambria Math" panose="02040503050406030204" pitchFamily="18" charset="0"/>
-                              </a:rPr>
-                            </m:ctrlPr>
-                          </m:sSubSupPr>
-                          <m:e>
-                            <m:r>
-                              <a:rPr lang="en-GB" b="0" i="1" smtClean="0">
-                                <a:solidFill>
-                                  <a:sysClr val="windowText" lastClr="000000"/>
-                                </a:solidFill>
-                                <a:latin typeface="Cambria Math" panose="02040503050406030204" pitchFamily="18" charset="0"/>
-                              </a:rPr>
-                              <m:t>𝐷</m:t>
-                            </m:r>
-                          </m:e>
-                          <m:sub>
-                            <m:r>
-                              <a:rPr lang="en-GB" b="0" i="1" smtClean="0">
-                                <a:solidFill>
-                                  <a:sysClr val="windowText" lastClr="000000"/>
-                                </a:solidFill>
-                                <a:latin typeface="Cambria Math" panose="02040503050406030204" pitchFamily="18" charset="0"/>
-                              </a:rPr>
-                              <m:t>𝑘</m:t>
-                            </m:r>
-                          </m:sub>
-                          <m:sup>
-                            <m:r>
-                              <a:rPr lang="de-DE" b="0" i="1" smtClean="0">
-                                <a:solidFill>
-                                  <a:sysClr val="windowText" lastClr="000000"/>
-                                </a:solidFill>
-                                <a:latin typeface="Cambria Math" panose="02040503050406030204" pitchFamily="18" charset="0"/>
-                              </a:rPr>
-                              <m:t>𝑑𝑒𝑎𝑡h𝑠</m:t>
-                            </m:r>
-                          </m:sup>
-                        </m:sSubSup>
-                      </m:oMath>
-                    </m:oMathPara>
-                  </a14:m>
-                  <a:endParaRPr lang="de-DE" dirty="0">
-                    <a:solidFill>
-                      <a:sysClr val="windowText" lastClr="000000"/>
-                    </a:solidFill>
-                  </a:endParaRPr>
-                </a:p>
-              </p:txBody>
-            </p:sp>
-          </mc:Choice>
-          <mc:Fallback xmlns="">
-            <p:sp>
-              <p:nvSpPr>
-                <p:cNvPr id="9" name="Rechteck 8">
-                  <a:extLst>
-                    <a:ext uri="{FF2B5EF4-FFF2-40B4-BE49-F238E27FC236}">
-                      <a16:creationId xmlns:a16="http://schemas.microsoft.com/office/drawing/2014/main" id="{541E2E2A-73B4-4B57-900B-62586D792C14}"/>
-                    </a:ext>
-                  </a:extLst>
-                </p:cNvPr>
-                <p:cNvSpPr>
-                  <a:spLocks noRot="1" noChangeAspect="1" noMove="1" noResize="1" noEditPoints="1" noAdjustHandles="1" noChangeArrowheads="1" noChangeShapeType="1" noTextEdit="1"/>
-                </p:cNvSpPr>
-                <p:nvPr userDrawn="1"/>
-              </p:nvSpPr>
-              <p:spPr>
-                <a:xfrm>
-                  <a:off x="4394224" y="1908950"/>
-                  <a:ext cx="846667" cy="846667"/>
-                </a:xfrm>
-                <a:prstGeom prst="rect">
-                  <a:avLst/>
-                </a:prstGeom>
-                <a:blipFill>
-                  <a:blip r:embed="rId5"/>
-                  <a:stretch>
-                    <a:fillRect l="-709" r="-1418"/>
-                  </a:stretch>
-                </a:blipFill>
-                <a:ln w="12700">
-                  <a:solidFill>
-                    <a:schemeClr val="tx1"/>
-                  </a:solidFill>
-                </a:ln>
-              </p:spPr>
-              <p:txBody>
-                <a:bodyPr/>
-                <a:lstStyle/>
-                <a:p>
-                  <a:r>
-                    <a:rPr lang="de-DE">
-                      <a:noFill/>
-                    </a:rPr>
-                    <a:t> </a:t>
-                  </a:r>
-                </a:p>
-              </p:txBody>
-            </p:sp>
-          </mc:Fallback>
-        </mc:AlternateContent>
-        <p:sp>
-          <p:nvSpPr>
-            <p:cNvPr id="25" name="Rechteck 24">
-              <a:extLst>
-                <a:ext uri="{FF2B5EF4-FFF2-40B4-BE49-F238E27FC236}">
-                  <a16:creationId xmlns:a16="http://schemas.microsoft.com/office/drawing/2014/main" id="{12D3B2D5-13F0-4169-BD88-1D575DEDD2F0}"/>
-                </a:ext>
-              </a:extLst>
-            </p:cNvPr>
-            <p:cNvSpPr/>
-            <p:nvPr/>
-          </p:nvSpPr>
-          <p:spPr>
-            <a:xfrm>
-              <a:off x="5422097" y="1908949"/>
-              <a:ext cx="2169940" cy="846667"/>
-            </a:xfrm>
-            <a:prstGeom prst="rect">
-              <a:avLst/>
-            </a:prstGeom>
-          </p:spPr>
-          <p:txBody>
-            <a:bodyPr wrap="square" lIns="0" tIns="0" rIns="0" bIns="0" anchor="ctr">
-              <a:noAutofit/>
-            </a:bodyPr>
-            <a:lstStyle/>
-            <a:p>
-              <a:r>
-                <a:rPr lang="en-US" dirty="0"/>
-                <a:t>age distribution of all deaths occurring  in simulation period</a:t>
-              </a:r>
-              <a:endParaRPr lang="de-DE" dirty="0"/>
-            </a:p>
-          </p:txBody>
-        </p:sp>
-        <p:sp>
-          <p:nvSpPr>
-            <p:cNvPr id="26" name="Rechteck 25">
-              <a:extLst>
-                <a:ext uri="{FF2B5EF4-FFF2-40B4-BE49-F238E27FC236}">
-                  <a16:creationId xmlns:a16="http://schemas.microsoft.com/office/drawing/2014/main" id="{D1F2F690-E8F1-405B-B52B-51F51BA9C4E4}"/>
-                </a:ext>
-              </a:extLst>
-            </p:cNvPr>
-            <p:cNvSpPr/>
-            <p:nvPr/>
-          </p:nvSpPr>
-          <p:spPr>
-            <a:xfrm>
-              <a:off x="5422097" y="3036440"/>
-              <a:ext cx="1951826" cy="846667"/>
-            </a:xfrm>
-            <a:prstGeom prst="rect">
-              <a:avLst/>
-            </a:prstGeom>
-          </p:spPr>
-          <p:txBody>
-            <a:bodyPr wrap="square" lIns="0" tIns="0" rIns="0" bIns="0" anchor="ctr">
-              <a:noAutofit/>
-            </a:bodyPr>
-            <a:lstStyle/>
-            <a:p>
-              <a:r>
-                <a:rPr lang="en-US" dirty="0"/>
-                <a:t>total daily number of reported deaths</a:t>
-              </a:r>
-              <a:endParaRPr lang="de-DE" dirty="0"/>
-            </a:p>
-          </p:txBody>
-        </p:sp>
-        <p:sp>
-          <p:nvSpPr>
-            <p:cNvPr id="27" name="Rechteck 26">
-              <a:extLst>
-                <a:ext uri="{FF2B5EF4-FFF2-40B4-BE49-F238E27FC236}">
-                  <a16:creationId xmlns:a16="http://schemas.microsoft.com/office/drawing/2014/main" id="{4BBA6036-9668-44BE-84BA-75E599D74E3B}"/>
-                </a:ext>
-              </a:extLst>
-            </p:cNvPr>
-            <p:cNvSpPr/>
-            <p:nvPr/>
-          </p:nvSpPr>
-          <p:spPr>
-            <a:xfrm>
-              <a:off x="5422096" y="4163931"/>
-              <a:ext cx="2169940" cy="846667"/>
-            </a:xfrm>
-            <a:prstGeom prst="rect">
-              <a:avLst/>
-            </a:prstGeom>
-          </p:spPr>
-          <p:txBody>
-            <a:bodyPr wrap="square" lIns="0" tIns="0" rIns="0" bIns="0" anchor="ctr">
-              <a:noAutofit/>
-            </a:bodyPr>
-            <a:lstStyle/>
-            <a:p>
-              <a:r>
-                <a:rPr lang="en-US" dirty="0"/>
-                <a:t>total daily number of new reported infection</a:t>
-              </a:r>
-              <a:endParaRPr lang="de-DE" dirty="0"/>
-            </a:p>
-          </p:txBody>
-        </p:sp>
-        <p:sp>
-          <p:nvSpPr>
-            <p:cNvPr id="28" name="Rechteck 27">
-              <a:extLst>
-                <a:ext uri="{FF2B5EF4-FFF2-40B4-BE49-F238E27FC236}">
-                  <a16:creationId xmlns:a16="http://schemas.microsoft.com/office/drawing/2014/main" id="{5E31852E-7753-4A26-9C19-87240E3EE7C0}"/>
-                </a:ext>
-              </a:extLst>
-            </p:cNvPr>
-            <p:cNvSpPr/>
-            <p:nvPr/>
-          </p:nvSpPr>
-          <p:spPr>
-            <a:xfrm>
-              <a:off x="5422096" y="5291421"/>
-              <a:ext cx="2480333" cy="846667"/>
-            </a:xfrm>
-            <a:prstGeom prst="rect">
-              <a:avLst/>
-            </a:prstGeom>
-          </p:spPr>
-          <p:txBody>
-            <a:bodyPr wrap="square" lIns="0" tIns="0" rIns="0" bIns="0" anchor="ctr">
-              <a:noAutofit/>
-            </a:bodyPr>
-            <a:lstStyle/>
-            <a:p>
-              <a:r>
-                <a:rPr lang="en-US" dirty="0"/>
-                <a:t>age distribution of all reported cases occurring in simulation period</a:t>
-              </a:r>
-              <a:endParaRPr lang="de-DE" dirty="0"/>
-            </a:p>
-          </p:txBody>
-        </p:sp>
-      </p:grpSp>
-    </p:spTree>
-    <p:extLst>
-      <p:ext uri="{BB962C8B-B14F-4D97-AF65-F5344CB8AC3E}">
-        <p14:creationId xmlns:p14="http://schemas.microsoft.com/office/powerpoint/2010/main" val="3264562930"/>
-      </p:ext>
-    </p:extLst>
-  </p:cSld>
-  <p:clrMapOvr>
-    <a:masterClrMapping/>
-  </p:clrMapOvr>
-</p:sld>
-</file>
-
-<file path=ppt/slides/slide26.xml><?xml version="1.0" encoding="utf-8"?>
-<p:sld xmlns:a="http://schemas.openxmlformats.org/drawingml/2006/main" xmlns:r="http://schemas.openxmlformats.org/officeDocument/2006/relationships" xmlns:p="http://schemas.openxmlformats.org/presentationml/2006/main">
-  <p:cSld>
-    <p:spTree>
-      <p:nvGrpSpPr>
-        <p:cNvPr id="1" name=""/>
-        <p:cNvGrpSpPr/>
-        <p:nvPr/>
-      </p:nvGrpSpPr>
-      <p:grpSpPr>
-        <a:xfrm>
-          <a:off x="0" y="0"/>
-          <a:ext cx="0" cy="0"/>
-          <a:chOff x="0" y="0"/>
-          <a:chExt cx="0" cy="0"/>
-        </a:xfrm>
-      </p:grpSpPr>
-      <p:sp>
-        <p:nvSpPr>
-          <p:cNvPr id="2" name="Titel 1">
-            <a:extLst>
-              <a:ext uri="{FF2B5EF4-FFF2-40B4-BE49-F238E27FC236}">
                 <a16:creationId xmlns:a16="http://schemas.microsoft.com/office/drawing/2014/main" id="{11969FEF-5B1D-43BB-B482-96438BD7A707}"/>
               </a:ext>
             </a:extLst>
@@ -21019,7 +20174,7 @@
 </p:sld>
 </file>
 
-<file path=ppt/slides/slide27.xml><?xml version="1.0" encoding="utf-8"?>
+<file path=ppt/slides/slide26.xml><?xml version="1.0" encoding="utf-8"?>
 <p:sld xmlns:a="http://schemas.openxmlformats.org/drawingml/2006/main" xmlns:r="http://schemas.openxmlformats.org/officeDocument/2006/relationships" xmlns:p="http://schemas.openxmlformats.org/presentationml/2006/main">
   <p:cSld>
     <p:spTree>
@@ -21885,7 +21040,7 @@
 </p:sld>
 </file>
 
-<file path=ppt/slides/slide28.xml><?xml version="1.0" encoding="utf-8"?>
+<file path=ppt/slides/slide27.xml><?xml version="1.0" encoding="utf-8"?>
 <p:sld xmlns:a="http://schemas.openxmlformats.org/drawingml/2006/main" xmlns:r="http://schemas.openxmlformats.org/officeDocument/2006/relationships" xmlns:p="http://schemas.openxmlformats.org/presentationml/2006/main">
   <p:cSld>
     <p:spTree>
@@ -21944,31 +21099,6 @@
               <a:t>Posterior</a:t>
             </a:r>
             <a:endParaRPr lang="de-DE" dirty="0"/>
-          </a:p>
-        </p:txBody>
-      </p:sp>
-      <p:sp>
-        <p:nvSpPr>
-          <p:cNvPr id="5" name="Textplatzhalter 4">
-            <a:extLst>
-              <a:ext uri="{FF2B5EF4-FFF2-40B4-BE49-F238E27FC236}">
-                <a16:creationId xmlns:a16="http://schemas.microsoft.com/office/drawing/2014/main" id="{5CE8C98E-55D5-4A92-895F-7EFF715C6CCC}"/>
-              </a:ext>
-            </a:extLst>
-          </p:cNvPr>
-          <p:cNvSpPr>
-            <a:spLocks noGrp="1"/>
-          </p:cNvSpPr>
-          <p:nvPr>
-            <p:ph type="body" sz="quarter" idx="13"/>
-          </p:nvPr>
-        </p:nvSpPr>
-        <p:spPr/>
-        <p:txBody>
-          <a:bodyPr/>
-          <a:lstStyle/>
-          <a:p>
-            <a:endParaRPr lang="de-DE"/>
           </a:p>
         </p:txBody>
       </p:sp>
@@ -23449,7 +22579,7 @@
       </p:sp>
       <p:sp>
         <p:nvSpPr>
-          <p:cNvPr id="20" name="Textfeld 19">
+          <p:cNvPr id="20" name="Textfeld 19" hidden="1">
             <a:extLst>
               <a:ext uri="{FF2B5EF4-FFF2-40B4-BE49-F238E27FC236}">
                 <a16:creationId xmlns:a16="http://schemas.microsoft.com/office/drawing/2014/main" id="{5B7C0064-FAC0-4D6C-BD6B-3C6CE55FB86E}"/>
@@ -23493,7 +22623,7 @@
       </p:sp>
       <p:sp>
         <p:nvSpPr>
-          <p:cNvPr id="21" name="Textfeld 20">
+          <p:cNvPr id="21" name="Textfeld 20" hidden="1">
             <a:extLst>
               <a:ext uri="{FF2B5EF4-FFF2-40B4-BE49-F238E27FC236}">
                 <a16:creationId xmlns:a16="http://schemas.microsoft.com/office/drawing/2014/main" id="{83E6937C-78E7-4226-87E7-E9C232AD7834}"/>
@@ -23587,7 +22717,7 @@
                                           </p:stCondLst>
                                         </p:cTn>
                                         <p:tgtEl>
-                                          <p:spTgt spid="31"/>
+                                          <p:spTgt spid="34"/>
                                         </p:tgtEl>
                                         <p:attrNameLst>
                                           <p:attrName>style.visibility</p:attrName>
@@ -23614,7 +22744,7 @@
                                           </p:stCondLst>
                                         </p:cTn>
                                         <p:tgtEl>
-                                          <p:spTgt spid="37"/>
+                                          <p:spTgt spid="36"/>
                                         </p:tgtEl>
                                         <p:attrNameLst>
                                           <p:attrName>style.visibility</p:attrName>
@@ -23627,26 +22757,35 @@
                                   </p:childTnLst>
                                 </p:cTn>
                               </p:par>
-                            </p:childTnLst>
-                          </p:cTn>
-                        </p:par>
-                      </p:childTnLst>
-                    </p:cTn>
-                  </p:par>
-                  <p:par>
-                    <p:cTn id="9" fill="hold">
-                      <p:stCondLst>
-                        <p:cond delay="indefinite"/>
-                      </p:stCondLst>
-                      <p:childTnLst>
-                        <p:par>
-                          <p:cTn id="10" fill="hold">
-                            <p:stCondLst>
-                              <p:cond delay="0"/>
-                            </p:stCondLst>
-                            <p:childTnLst>
                               <p:par>
-                                <p:cTn id="11" presetID="1" presetClass="entr" presetSubtype="0" fill="hold" grpId="0" nodeType="clickEffect">
+                                <p:cTn id="9" presetID="1" presetClass="entr" presetSubtype="0" fill="hold" grpId="0" nodeType="withEffect">
+                                  <p:stCondLst>
+                                    <p:cond delay="0"/>
+                                  </p:stCondLst>
+                                  <p:childTnLst>
+                                    <p:set>
+                                      <p:cBhvr>
+                                        <p:cTn id="10" dur="1" fill="hold">
+                                          <p:stCondLst>
+                                            <p:cond delay="0"/>
+                                          </p:stCondLst>
+                                        </p:cTn>
+                                        <p:tgtEl>
+                                          <p:spTgt spid="31"/>
+                                        </p:tgtEl>
+                                        <p:attrNameLst>
+                                          <p:attrName>style.visibility</p:attrName>
+                                        </p:attrNameLst>
+                                      </p:cBhvr>
+                                      <p:to>
+                                        <p:strVal val="visible"/>
+                                      </p:to>
+                                    </p:set>
+                                  </p:childTnLst>
+                                </p:cTn>
+                              </p:par>
+                              <p:par>
+                                <p:cTn id="11" presetID="1" presetClass="entr" presetSubtype="0" fill="hold" grpId="0" nodeType="withEffect">
                                   <p:stCondLst>
                                     <p:cond delay="0"/>
                                   </p:stCondLst>
@@ -23659,7 +22798,7 @@
                                           </p:stCondLst>
                                         </p:cTn>
                                         <p:tgtEl>
-                                          <p:spTgt spid="24"/>
+                                          <p:spTgt spid="37"/>
                                         </p:tgtEl>
                                         <p:attrNameLst>
                                           <p:attrName>style.visibility</p:attrName>
@@ -23686,6 +22825,33 @@
                                           </p:stCondLst>
                                         </p:cTn>
                                         <p:tgtEl>
+                                          <p:spTgt spid="24"/>
+                                        </p:tgtEl>
+                                        <p:attrNameLst>
+                                          <p:attrName>style.visibility</p:attrName>
+                                        </p:attrNameLst>
+                                      </p:cBhvr>
+                                      <p:to>
+                                        <p:strVal val="visible"/>
+                                      </p:to>
+                                    </p:set>
+                                  </p:childTnLst>
+                                </p:cTn>
+                              </p:par>
+                              <p:par>
+                                <p:cTn id="15" presetID="1" presetClass="entr" presetSubtype="0" fill="hold" grpId="0" nodeType="withEffect">
+                                  <p:stCondLst>
+                                    <p:cond delay="0"/>
+                                  </p:stCondLst>
+                                  <p:childTnLst>
+                                    <p:set>
+                                      <p:cBhvr>
+                                        <p:cTn id="16" dur="1" fill="hold">
+                                          <p:stCondLst>
+                                            <p:cond delay="0"/>
+                                          </p:stCondLst>
+                                        </p:cTn>
+                                        <p:tgtEl>
                                           <p:spTgt spid="38"/>
                                         </p:tgtEl>
                                         <p:attrNameLst>
@@ -23699,26 +22865,8 @@
                                   </p:childTnLst>
                                 </p:cTn>
                               </p:par>
-                            </p:childTnLst>
-                          </p:cTn>
-                        </p:par>
-                      </p:childTnLst>
-                    </p:cTn>
-                  </p:par>
-                  <p:par>
-                    <p:cTn id="15" fill="hold">
-                      <p:stCondLst>
-                        <p:cond delay="indefinite"/>
-                      </p:stCondLst>
-                      <p:childTnLst>
-                        <p:par>
-                          <p:cTn id="16" fill="hold">
-                            <p:stCondLst>
-                              <p:cond delay="0"/>
-                            </p:stCondLst>
-                            <p:childTnLst>
                               <p:par>
-                                <p:cTn id="17" presetID="1" presetClass="entr" presetSubtype="0" fill="hold" grpId="0" nodeType="clickEffect">
+                                <p:cTn id="17" presetID="1" presetClass="entr" presetSubtype="0" fill="hold" grpId="0" nodeType="withEffect">
                                   <p:stCondLst>
                                     <p:cond delay="0"/>
                                   </p:stCondLst>
@@ -23874,6 +23022,8 @@
       <p:bldP spid="24" grpId="0" animBg="1"/>
       <p:bldP spid="29" grpId="0" animBg="1"/>
       <p:bldP spid="31" grpId="0" animBg="1"/>
+      <p:bldP spid="34" grpId="0" animBg="1"/>
+      <p:bldP spid="36" grpId="0"/>
       <p:bldP spid="37" grpId="0"/>
       <p:bldP spid="38" grpId="0"/>
       <p:bldP spid="39" grpId="0"/>
@@ -23884,7 +23034,7 @@
 </p:sld>
 </file>
 
-<file path=ppt/slides/slide29.xml><?xml version="1.0" encoding="utf-8"?>
+<file path=ppt/slides/slide28.xml><?xml version="1.0" encoding="utf-8"?>
 <p:sld xmlns:a="http://schemas.openxmlformats.org/drawingml/2006/main" xmlns:r="http://schemas.openxmlformats.org/officeDocument/2006/relationships" xmlns:p="http://schemas.openxmlformats.org/presentationml/2006/main">
   <p:cSld>
     <p:spTree>
@@ -26564,100 +25714,7 @@
 </p:sld>
 </file>
 
-<file path=ppt/slides/slide3.xml><?xml version="1.0" encoding="utf-8"?>
-<p:sld xmlns:a="http://schemas.openxmlformats.org/drawingml/2006/main" xmlns:r="http://schemas.openxmlformats.org/officeDocument/2006/relationships" xmlns:p="http://schemas.openxmlformats.org/presentationml/2006/main">
-  <p:cSld>
-    <p:spTree>
-      <p:nvGrpSpPr>
-        <p:cNvPr id="1" name=""/>
-        <p:cNvGrpSpPr/>
-        <p:nvPr/>
-      </p:nvGrpSpPr>
-      <p:grpSpPr>
-        <a:xfrm>
-          <a:off x="0" y="0"/>
-          <a:ext cx="0" cy="0"/>
-          <a:chOff x="0" y="0"/>
-          <a:chExt cx="0" cy="0"/>
-        </a:xfrm>
-      </p:grpSpPr>
-      <p:sp>
-        <p:nvSpPr>
-          <p:cNvPr id="2" name="Titel 1">
-            <a:extLst>
-              <a:ext uri="{FF2B5EF4-FFF2-40B4-BE49-F238E27FC236}">
-                <a16:creationId xmlns:a16="http://schemas.microsoft.com/office/drawing/2014/main" id="{F0C23AA7-791C-4818-B3BA-8F75DECEE9E9}"/>
-              </a:ext>
-            </a:extLst>
-          </p:cNvPr>
-          <p:cNvSpPr>
-            <a:spLocks noGrp="1"/>
-          </p:cNvSpPr>
-          <p:nvPr>
-            <p:ph type="title"/>
-          </p:nvPr>
-        </p:nvSpPr>
-        <p:spPr/>
-        <p:txBody>
-          <a:bodyPr/>
-          <a:lstStyle/>
-          <a:p>
-            <a:r>
-              <a:rPr lang="en-GB" dirty="0"/>
-              <a:t>Foreword</a:t>
-            </a:r>
-            <a:endParaRPr lang="de-DE" dirty="0"/>
-          </a:p>
-        </p:txBody>
-      </p:sp>
-      <p:sp>
-        <p:nvSpPr>
-          <p:cNvPr id="3" name="Inhaltsplatzhalter 2">
-            <a:extLst>
-              <a:ext uri="{FF2B5EF4-FFF2-40B4-BE49-F238E27FC236}">
-                <a16:creationId xmlns:a16="http://schemas.microsoft.com/office/drawing/2014/main" id="{6970B388-456B-4F27-9C9E-C25F2F5749F1}"/>
-              </a:ext>
-            </a:extLst>
-          </p:cNvPr>
-          <p:cNvSpPr>
-            <a:spLocks noGrp="1"/>
-          </p:cNvSpPr>
-          <p:nvPr>
-            <p:ph type="body" sz="quarter" idx="13"/>
-          </p:nvPr>
-        </p:nvSpPr>
-        <p:spPr/>
-        <p:txBody>
-          <a:bodyPr>
-            <a:normAutofit/>
-          </a:bodyPr>
-          <a:lstStyle/>
-          <a:p>
-            <a:pPr marL="0" indent="0">
-              <a:buNone/>
-            </a:pPr>
-            <a:r>
-              <a:rPr lang="en-GB" dirty="0"/>
-              <a:t>We will talk about deaths and fatality ratios a lot, and for the purpose of modelling, these will both be parameters. We understand that behind those numbers lie real lives and stories of human tragedy (and recovery). However, for the sake of presentation, we will treat this numbers as mere parameters.</a:t>
-            </a:r>
-            <a:endParaRPr lang="de-DE" dirty="0"/>
-          </a:p>
-        </p:txBody>
-      </p:sp>
-    </p:spTree>
-    <p:extLst>
-      <p:ext uri="{BB962C8B-B14F-4D97-AF65-F5344CB8AC3E}">
-        <p14:creationId xmlns:p14="http://schemas.microsoft.com/office/powerpoint/2010/main" val="1394332715"/>
-      </p:ext>
-    </p:extLst>
-  </p:cSld>
-  <p:clrMapOvr>
-    <a:masterClrMapping/>
-  </p:clrMapOvr>
-</p:sld>
-</file>
-
-<file path=ppt/slides/slide30.xml><?xml version="1.0" encoding="utf-8"?>
+<file path=ppt/slides/slide29.xml><?xml version="1.0" encoding="utf-8"?>
 <p:sld xmlns:a="http://schemas.openxmlformats.org/drawingml/2006/main" xmlns:r="http://schemas.openxmlformats.org/officeDocument/2006/relationships" xmlns:p="http://schemas.openxmlformats.org/presentationml/2006/main">
   <p:cSld>
     <p:spTree>
@@ -26690,7 +25747,12 @@
             <p:ph type="title"/>
           </p:nvPr>
         </p:nvSpPr>
-        <p:spPr/>
+        <p:spPr>
+          <a:xfrm>
+            <a:off x="653068" y="1036252"/>
+            <a:ext cx="10835914" cy="555426"/>
+          </a:xfrm>
+        </p:spPr>
         <p:txBody>
           <a:bodyPr/>
           <a:lstStyle/>
@@ -26716,31 +25778,6 @@
               <a:t>Posterior</a:t>
             </a:r>
             <a:endParaRPr lang="de-DE" dirty="0"/>
-          </a:p>
-        </p:txBody>
-      </p:sp>
-      <p:sp>
-        <p:nvSpPr>
-          <p:cNvPr id="4" name="Textplatzhalter 3">
-            <a:extLst>
-              <a:ext uri="{FF2B5EF4-FFF2-40B4-BE49-F238E27FC236}">
-                <a16:creationId xmlns:a16="http://schemas.microsoft.com/office/drawing/2014/main" id="{62DFD682-3BFE-4146-B83B-20C5DD5DE87B}"/>
-              </a:ext>
-            </a:extLst>
-          </p:cNvPr>
-          <p:cNvSpPr>
-            <a:spLocks noGrp="1"/>
-          </p:cNvSpPr>
-          <p:nvPr>
-            <p:ph type="body" sz="quarter" idx="13"/>
-          </p:nvPr>
-        </p:nvSpPr>
-        <p:spPr/>
-        <p:txBody>
-          <a:bodyPr/>
-          <a:lstStyle/>
-          <a:p>
-            <a:endParaRPr lang="de-DE"/>
           </a:p>
         </p:txBody>
       </p:sp>
@@ -28250,8 +27287,8 @@
           </p:sp>
         </mc:Fallback>
       </mc:AlternateContent>
-      <mc:AlternateContent xmlns:mc="http://schemas.openxmlformats.org/markup-compatibility/2006">
-        <mc:Choice xmlns:a14="http://schemas.microsoft.com/office/drawing/2010/main" Requires="a14">
+      <mc:AlternateContent xmlns:mc="http://schemas.openxmlformats.org/markup-compatibility/2006" xmlns:a14="http://schemas.microsoft.com/office/drawing/2010/main">
+        <mc:Choice Requires="a14">
           <p:sp>
             <p:nvSpPr>
               <p:cNvPr id="43" name="Textfeld 42">
@@ -28318,7 +27355,7 @@
             </p:txBody>
           </p:sp>
         </mc:Choice>
-        <mc:Fallback>
+        <mc:Fallback xmlns="">
           <p:sp>
             <p:nvSpPr>
               <p:cNvPr id="43" name="Textfeld 42">
@@ -28363,8 +27400,8 @@
           </p:sp>
         </mc:Fallback>
       </mc:AlternateContent>
-      <mc:AlternateContent xmlns:mc="http://schemas.openxmlformats.org/markup-compatibility/2006">
-        <mc:Choice xmlns:a14="http://schemas.microsoft.com/office/drawing/2010/main" Requires="a14">
+      <mc:AlternateContent xmlns:mc="http://schemas.openxmlformats.org/markup-compatibility/2006" xmlns:a14="http://schemas.microsoft.com/office/drawing/2010/main">
+        <mc:Choice Requires="a14">
           <p:sp>
             <p:nvSpPr>
               <p:cNvPr id="44" name="Textfeld 43">
@@ -28421,7 +27458,7 @@
             </p:txBody>
           </p:sp>
         </mc:Choice>
-        <mc:Fallback>
+        <mc:Fallback xmlns="">
           <p:sp>
             <p:nvSpPr>
               <p:cNvPr id="44" name="Textfeld 43">
@@ -28564,6 +27601,407 @@
           </a:p>
         </p:txBody>
       </p:sp>
+      <mc:AlternateContent xmlns:mc="http://schemas.openxmlformats.org/markup-compatibility/2006">
+        <mc:Choice xmlns:a14="http://schemas.microsoft.com/office/drawing/2010/main" Requires="a14">
+          <p:sp>
+            <p:nvSpPr>
+              <p:cNvPr id="15" name="Rechteck 14">
+                <a:extLst>
+                  <a:ext uri="{FF2B5EF4-FFF2-40B4-BE49-F238E27FC236}">
+                    <a16:creationId xmlns:a16="http://schemas.microsoft.com/office/drawing/2014/main" id="{9F2C3497-D9B1-4993-B70F-4CE46798B2FA}"/>
+                  </a:ext>
+                </a:extLst>
+              </p:cNvPr>
+              <p:cNvSpPr/>
+              <p:nvPr/>
+            </p:nvSpPr>
+            <p:spPr>
+              <a:xfrm>
+                <a:off x="4849500" y="3186515"/>
+                <a:ext cx="5503912" cy="1667508"/>
+              </a:xfrm>
+              <a:prstGeom prst="rect">
+                <a:avLst/>
+              </a:prstGeom>
+              <a:solidFill>
+                <a:schemeClr val="bg1">
+                  <a:alpha val="95000"/>
+                </a:schemeClr>
+              </a:solidFill>
+              <a:ln>
+                <a:solidFill>
+                  <a:schemeClr val="tx1"/>
+                </a:solidFill>
+              </a:ln>
+            </p:spPr>
+            <p:txBody>
+              <a:bodyPr wrap="square" anchor="ctr">
+                <a:noAutofit/>
+              </a:bodyPr>
+              <a:lstStyle/>
+              <a:p>
+                <a:pPr algn="ctr"/>
+                <a:r>
+                  <a:rPr lang="de-DE" dirty="0"/>
+                  <a:t>Joint </a:t>
+                </a:r>
+                <a:r>
+                  <a:rPr lang="de-DE" dirty="0" err="1"/>
+                  <a:t>likelihood</a:t>
+                </a:r>
+                <a:r>
+                  <a:rPr lang="de-DE" dirty="0"/>
+                  <a:t> </a:t>
+                </a:r>
+                <a:r>
+                  <a:rPr lang="de-DE" dirty="0" err="1"/>
+                  <a:t>is</a:t>
+                </a:r>
+                <a:r>
+                  <a:rPr lang="de-DE" dirty="0"/>
+                  <a:t> </a:t>
+                </a:r>
+                <a:r>
+                  <a:rPr lang="de-DE" dirty="0" err="1"/>
+                  <a:t>the</a:t>
+                </a:r>
+                <a:r>
+                  <a:rPr lang="de-DE" dirty="0"/>
+                  <a:t> </a:t>
+                </a:r>
+                <a:r>
+                  <a:rPr lang="de-DE" dirty="0" err="1"/>
+                  <a:t>product</a:t>
+                </a:r>
+                <a:r>
+                  <a:rPr lang="de-DE" dirty="0"/>
+                  <a:t> </a:t>
+                </a:r>
+                <a:r>
+                  <a:rPr lang="de-DE" dirty="0" err="1"/>
+                  <a:t>of</a:t>
+                </a:r>
+                <a:r>
+                  <a:rPr lang="de-DE" dirty="0"/>
+                  <a:t> </a:t>
+                </a:r>
+                <a:r>
+                  <a:rPr lang="de-DE" dirty="0" err="1"/>
+                  <a:t>likelihoods</a:t>
+                </a:r>
+                <a:endParaRPr lang="de-DE" dirty="0"/>
+              </a:p>
+              <a:p>
+                <a:pPr algn="ctr"/>
+                <a14:m>
+                  <m:oMathPara xmlns:m="http://schemas.openxmlformats.org/officeDocument/2006/math">
+                    <m:oMathParaPr>
+                      <m:jc m:val="centerGroup"/>
+                    </m:oMathParaPr>
+                    <m:oMath xmlns:m="http://schemas.openxmlformats.org/officeDocument/2006/math">
+                      <m:func>
+                        <m:funcPr>
+                          <m:ctrlPr>
+                            <a:rPr lang="de-DE" i="1">
+                              <a:latin typeface="Cambria Math" panose="02040503050406030204" pitchFamily="18" charset="0"/>
+                            </a:rPr>
+                          </m:ctrlPr>
+                        </m:funcPr>
+                        <m:fName>
+                          <m:r>
+                            <m:rPr>
+                              <m:sty m:val="p"/>
+                            </m:rPr>
+                            <a:rPr lang="de-DE">
+                              <a:latin typeface="Cambria Math" panose="02040503050406030204" pitchFamily="18" charset="0"/>
+                            </a:rPr>
+                            <m:t>Pr</m:t>
+                          </m:r>
+                        </m:fName>
+                        <m:e>
+                          <m:d>
+                            <m:dPr>
+                              <m:ctrlPr>
+                                <a:rPr lang="de-DE" i="1">
+                                  <a:latin typeface="Cambria Math" panose="02040503050406030204" pitchFamily="18" charset="0"/>
+                                </a:rPr>
+                              </m:ctrlPr>
+                            </m:dPr>
+                            <m:e>
+                              <m:r>
+                                <a:rPr lang="de-DE" i="1">
+                                  <a:latin typeface="Cambria Math" panose="02040503050406030204" pitchFamily="18" charset="0"/>
+                                  <a:ea typeface="Cambria Math" panose="02040503050406030204" pitchFamily="18" charset="0"/>
+                                </a:rPr>
+                                <m:t>𝜃</m:t>
+                              </m:r>
+                            </m:e>
+                            <m:e>
+                              <m:r>
+                                <a:rPr lang="de-DE" i="1">
+                                  <a:latin typeface="Cambria Math" panose="02040503050406030204" pitchFamily="18" charset="0"/>
+                                  <a:ea typeface="Cambria Math" panose="02040503050406030204" pitchFamily="18" charset="0"/>
+                                </a:rPr>
+                                <m:t>𝔸</m:t>
+                              </m:r>
+                            </m:e>
+                          </m:d>
+                        </m:e>
+                      </m:func>
+                      <m:r>
+                        <a:rPr lang="de-DE" i="1">
+                          <a:latin typeface="Cambria Math" panose="02040503050406030204" pitchFamily="18" charset="0"/>
+                        </a:rPr>
+                        <m:t>×</m:t>
+                      </m:r>
+                      <m:func>
+                        <m:funcPr>
+                          <m:ctrlPr>
+                            <a:rPr lang="de-DE" i="1">
+                              <a:latin typeface="Cambria Math" panose="02040503050406030204" pitchFamily="18" charset="0"/>
+                            </a:rPr>
+                          </m:ctrlPr>
+                        </m:funcPr>
+                        <m:fName>
+                          <m:r>
+                            <m:rPr>
+                              <m:sty m:val="p"/>
+                            </m:rPr>
+                            <a:rPr lang="de-DE">
+                              <a:latin typeface="Cambria Math" panose="02040503050406030204" pitchFamily="18" charset="0"/>
+                            </a:rPr>
+                            <m:t>Pr</m:t>
+                          </m:r>
+                        </m:fName>
+                        <m:e>
+                          <m:d>
+                            <m:dPr>
+                              <m:ctrlPr>
+                                <a:rPr lang="de-DE" i="1">
+                                  <a:latin typeface="Cambria Math" panose="02040503050406030204" pitchFamily="18" charset="0"/>
+                                </a:rPr>
+                              </m:ctrlPr>
+                            </m:dPr>
+                            <m:e>
+                              <m:r>
+                                <a:rPr lang="de-DE" i="1">
+                                  <a:latin typeface="Cambria Math" panose="02040503050406030204" pitchFamily="18" charset="0"/>
+                                  <a:ea typeface="Cambria Math" panose="02040503050406030204" pitchFamily="18" charset="0"/>
+                                </a:rPr>
+                                <m:t>𝜃</m:t>
+                              </m:r>
+                            </m:e>
+                            <m:e>
+                              <m:r>
+                                <a:rPr lang="de-DE" i="1">
+                                  <a:latin typeface="Cambria Math" panose="02040503050406030204" pitchFamily="18" charset="0"/>
+                                  <a:ea typeface="Cambria Math" panose="02040503050406030204" pitchFamily="18" charset="0"/>
+                                </a:rPr>
+                                <m:t>𝔹</m:t>
+                              </m:r>
+                            </m:e>
+                          </m:d>
+                        </m:e>
+                      </m:func>
+                      <m:r>
+                        <a:rPr lang="de-DE" i="1">
+                          <a:latin typeface="Cambria Math" panose="02040503050406030204" pitchFamily="18" charset="0"/>
+                          <a:ea typeface="Cambria Math" panose="02040503050406030204" pitchFamily="18" charset="0"/>
+                        </a:rPr>
+                        <m:t>×</m:t>
+                      </m:r>
+                      <m:func>
+                        <m:funcPr>
+                          <m:ctrlPr>
+                            <a:rPr lang="de-DE" i="1">
+                              <a:latin typeface="Cambria Math" panose="02040503050406030204" pitchFamily="18" charset="0"/>
+                              <a:ea typeface="Cambria Math" panose="02040503050406030204" pitchFamily="18" charset="0"/>
+                            </a:rPr>
+                          </m:ctrlPr>
+                        </m:funcPr>
+                        <m:fName>
+                          <m:r>
+                            <m:rPr>
+                              <m:sty m:val="p"/>
+                            </m:rPr>
+                            <a:rPr lang="de-DE">
+                              <a:latin typeface="Cambria Math" panose="02040503050406030204" pitchFamily="18" charset="0"/>
+                            </a:rPr>
+                            <m:t>Pr</m:t>
+                          </m:r>
+                        </m:fName>
+                        <m:e>
+                          <m:d>
+                            <m:dPr>
+                              <m:ctrlPr>
+                                <a:rPr lang="de-DE" i="1">
+                                  <a:latin typeface="Cambria Math" panose="02040503050406030204" pitchFamily="18" charset="0"/>
+                                </a:rPr>
+                              </m:ctrlPr>
+                            </m:dPr>
+                            <m:e>
+                              <m:r>
+                                <a:rPr lang="de-DE" i="1">
+                                  <a:latin typeface="Cambria Math" panose="02040503050406030204" pitchFamily="18" charset="0"/>
+                                  <a:ea typeface="Cambria Math" panose="02040503050406030204" pitchFamily="18" charset="0"/>
+                                </a:rPr>
+                                <m:t>𝜃</m:t>
+                              </m:r>
+                            </m:e>
+                            <m:e>
+                              <m:r>
+                                <a:rPr lang="de-DE" i="1">
+                                  <a:latin typeface="Cambria Math" panose="02040503050406030204" pitchFamily="18" charset="0"/>
+                                  <a:ea typeface="Cambria Math" panose="02040503050406030204" pitchFamily="18" charset="0"/>
+                                </a:rPr>
+                                <m:t>ℂ</m:t>
+                              </m:r>
+                            </m:e>
+                          </m:d>
+                        </m:e>
+                      </m:func>
+                      <m:r>
+                        <a:rPr lang="de-DE" i="1">
+                          <a:latin typeface="Cambria Math" panose="02040503050406030204" pitchFamily="18" charset="0"/>
+                          <a:ea typeface="Cambria Math" panose="02040503050406030204" pitchFamily="18" charset="0"/>
+                        </a:rPr>
+                        <m:t>×</m:t>
+                      </m:r>
+                      <m:func>
+                        <m:funcPr>
+                          <m:ctrlPr>
+                            <a:rPr lang="de-DE" i="1">
+                              <a:latin typeface="Cambria Math" panose="02040503050406030204" pitchFamily="18" charset="0"/>
+                              <a:ea typeface="Cambria Math" panose="02040503050406030204" pitchFamily="18" charset="0"/>
+                            </a:rPr>
+                          </m:ctrlPr>
+                        </m:funcPr>
+                        <m:fName>
+                          <m:r>
+                            <m:rPr>
+                              <m:sty m:val="p"/>
+                            </m:rPr>
+                            <a:rPr lang="de-DE">
+                              <a:latin typeface="Cambria Math" panose="02040503050406030204" pitchFamily="18" charset="0"/>
+                            </a:rPr>
+                            <m:t>Pr</m:t>
+                          </m:r>
+                        </m:fName>
+                        <m:e>
+                          <m:d>
+                            <m:dPr>
+                              <m:ctrlPr>
+                                <a:rPr lang="de-DE" i="1">
+                                  <a:latin typeface="Cambria Math" panose="02040503050406030204" pitchFamily="18" charset="0"/>
+                                </a:rPr>
+                              </m:ctrlPr>
+                            </m:dPr>
+                            <m:e>
+                              <m:r>
+                                <a:rPr lang="de-DE" i="1">
+                                  <a:latin typeface="Cambria Math" panose="02040503050406030204" pitchFamily="18" charset="0"/>
+                                  <a:ea typeface="Cambria Math" panose="02040503050406030204" pitchFamily="18" charset="0"/>
+                                </a:rPr>
+                                <m:t>𝜃</m:t>
+                              </m:r>
+                            </m:e>
+                            <m:e>
+                              <m:r>
+                                <a:rPr lang="de-DE" i="1">
+                                  <a:latin typeface="Cambria Math" panose="02040503050406030204" pitchFamily="18" charset="0"/>
+                                  <a:ea typeface="Cambria Math" panose="02040503050406030204" pitchFamily="18" charset="0"/>
+                                </a:rPr>
+                                <m:t>𝔻</m:t>
+                              </m:r>
+                            </m:e>
+                          </m:d>
+                        </m:e>
+                      </m:func>
+                    </m:oMath>
+                  </m:oMathPara>
+                </a14:m>
+                <a:endParaRPr lang="de-DE" dirty="0"/>
+              </a:p>
+              <a:p>
+                <a:pPr algn="ctr"/>
+                <a:endParaRPr lang="de-DE" dirty="0"/>
+              </a:p>
+              <a:p>
+                <a:pPr algn="ctr"/>
+                <a:r>
+                  <a:rPr lang="de-DE" dirty="0"/>
+                  <a:t>Sampling Method </a:t>
+                </a:r>
+                <a:r>
+                  <a:rPr lang="de-DE" dirty="0" err="1"/>
+                  <a:t>is</a:t>
+                </a:r>
+                <a:r>
+                  <a:rPr lang="de-DE" dirty="0"/>
+                  <a:t> </a:t>
+                </a:r>
+                <a:r>
+                  <a:rPr lang="de-DE" dirty="0" err="1"/>
+                  <a:t>Hamiltonian</a:t>
+                </a:r>
+                <a:r>
+                  <a:rPr lang="de-DE" dirty="0"/>
+                  <a:t> Monte Carlo Sampling</a:t>
+                </a:r>
+              </a:p>
+            </p:txBody>
+          </p:sp>
+        </mc:Choice>
+        <mc:Fallback>
+          <p:sp>
+            <p:nvSpPr>
+              <p:cNvPr id="15" name="Rechteck 14">
+                <a:extLst>
+                  <a:ext uri="{FF2B5EF4-FFF2-40B4-BE49-F238E27FC236}">
+                    <a16:creationId xmlns:a16="http://schemas.microsoft.com/office/drawing/2014/main" id="{9F2C3497-D9B1-4993-B70F-4CE46798B2FA}"/>
+                  </a:ext>
+                </a:extLst>
+              </p:cNvPr>
+              <p:cNvSpPr>
+                <a:spLocks noRot="1" noChangeAspect="1" noMove="1" noResize="1" noEditPoints="1" noAdjustHandles="1" noChangeArrowheads="1" noChangeShapeType="1" noTextEdit="1"/>
+              </p:cNvSpPr>
+              <p:nvPr/>
+            </p:nvSpPr>
+            <p:spPr>
+              <a:xfrm>
+                <a:off x="4849500" y="3186515"/>
+                <a:ext cx="5503912" cy="1667508"/>
+              </a:xfrm>
+              <a:prstGeom prst="rect">
+                <a:avLst/>
+              </a:prstGeom>
+              <a:blipFill>
+                <a:blip r:embed="rId12"/>
+                <a:stretch>
+                  <a:fillRect/>
+                </a:stretch>
+              </a:blipFill>
+              <a:ln>
+                <a:solidFill>
+                  <a:schemeClr val="tx1"/>
+                </a:solidFill>
+              </a:ln>
+            </p:spPr>
+            <p:txBody>
+              <a:bodyPr/>
+              <a:lstStyle/>
+              <a:p>
+                <a:r>
+                  <a:rPr lang="de-DE">
+                    <a:noFill/>
+                  </a:rPr>
+                  <a:t> </a:t>
+                </a:r>
+              </a:p>
+            </p:txBody>
+          </p:sp>
+        </mc:Fallback>
+      </mc:AlternateContent>
     </p:spTree>
     <p:extLst>
       <p:ext uri="{BB962C8B-B14F-4D97-AF65-F5344CB8AC3E}">
@@ -28825,6 +28263,51 @@
                       </p:childTnLst>
                     </p:cTn>
                   </p:par>
+                  <p:par>
+                    <p:cTn id="23" fill="hold">
+                      <p:stCondLst>
+                        <p:cond delay="indefinite"/>
+                      </p:stCondLst>
+                      <p:childTnLst>
+                        <p:par>
+                          <p:cTn id="24" fill="hold">
+                            <p:stCondLst>
+                              <p:cond delay="0"/>
+                            </p:stCondLst>
+                            <p:childTnLst>
+                              <p:par>
+                                <p:cTn id="25" presetID="1" presetClass="entr" presetSubtype="0" fill="hold" grpId="0" nodeType="clickEffect">
+                                  <p:stCondLst>
+                                    <p:cond delay="0"/>
+                                  </p:stCondLst>
+                                  <p:childTnLst>
+                                    <p:set>
+                                      <p:cBhvr>
+                                        <p:cTn id="26" dur="1" fill="hold">
+                                          <p:stCondLst>
+                                            <p:cond delay="0"/>
+                                          </p:stCondLst>
+                                        </p:cTn>
+                                        <p:tgtEl>
+                                          <p:spTgt spid="15"/>
+                                        </p:tgtEl>
+                                        <p:attrNameLst>
+                                          <p:attrName>style.visibility</p:attrName>
+                                        </p:attrNameLst>
+                                      </p:cBhvr>
+                                      <p:to>
+                                        <p:strVal val="visible"/>
+                                      </p:to>
+                                    </p:set>
+                                  </p:childTnLst>
+                                </p:cTn>
+                              </p:par>
+                            </p:childTnLst>
+                          </p:cTn>
+                        </p:par>
+                      </p:childTnLst>
+                    </p:cTn>
+                  </p:par>
                 </p:childTnLst>
               </p:cTn>
               <p:prevCondLst>
@@ -28854,12 +28337,106 @@
       <p:bldP spid="43" grpId="0"/>
       <p:bldP spid="44" grpId="0"/>
       <p:bldP spid="45" grpId="0" animBg="1"/>
+      <p:bldP spid="15" grpId="0" animBg="1"/>
     </p:bldLst>
   </p:timing>
 </p:sld>
 </file>
 
-<file path=ppt/slides/slide31.xml><?xml version="1.0" encoding="utf-8"?>
+<file path=ppt/slides/slide3.xml><?xml version="1.0" encoding="utf-8"?>
+<p:sld xmlns:a="http://schemas.openxmlformats.org/drawingml/2006/main" xmlns:r="http://schemas.openxmlformats.org/officeDocument/2006/relationships" xmlns:p="http://schemas.openxmlformats.org/presentationml/2006/main">
+  <p:cSld>
+    <p:spTree>
+      <p:nvGrpSpPr>
+        <p:cNvPr id="1" name=""/>
+        <p:cNvGrpSpPr/>
+        <p:nvPr/>
+      </p:nvGrpSpPr>
+      <p:grpSpPr>
+        <a:xfrm>
+          <a:off x="0" y="0"/>
+          <a:ext cx="0" cy="0"/>
+          <a:chOff x="0" y="0"/>
+          <a:chExt cx="0" cy="0"/>
+        </a:xfrm>
+      </p:grpSpPr>
+      <p:sp>
+        <p:nvSpPr>
+          <p:cNvPr id="2" name="Titel 1">
+            <a:extLst>
+              <a:ext uri="{FF2B5EF4-FFF2-40B4-BE49-F238E27FC236}">
+                <a16:creationId xmlns:a16="http://schemas.microsoft.com/office/drawing/2014/main" id="{F0C23AA7-791C-4818-B3BA-8F75DECEE9E9}"/>
+              </a:ext>
+            </a:extLst>
+          </p:cNvPr>
+          <p:cNvSpPr>
+            <a:spLocks noGrp="1"/>
+          </p:cNvSpPr>
+          <p:nvPr>
+            <p:ph type="title"/>
+          </p:nvPr>
+        </p:nvSpPr>
+        <p:spPr/>
+        <p:txBody>
+          <a:bodyPr/>
+          <a:lstStyle/>
+          <a:p>
+            <a:r>
+              <a:rPr lang="en-GB" dirty="0"/>
+              <a:t>Foreword</a:t>
+            </a:r>
+            <a:endParaRPr lang="de-DE" dirty="0"/>
+          </a:p>
+        </p:txBody>
+      </p:sp>
+      <p:sp>
+        <p:nvSpPr>
+          <p:cNvPr id="3" name="Inhaltsplatzhalter 2">
+            <a:extLst>
+              <a:ext uri="{FF2B5EF4-FFF2-40B4-BE49-F238E27FC236}">
+                <a16:creationId xmlns:a16="http://schemas.microsoft.com/office/drawing/2014/main" id="{6970B388-456B-4F27-9C9E-C25F2F5749F1}"/>
+              </a:ext>
+            </a:extLst>
+          </p:cNvPr>
+          <p:cNvSpPr>
+            <a:spLocks noGrp="1"/>
+          </p:cNvSpPr>
+          <p:nvPr>
+            <p:ph type="body" sz="quarter" idx="13"/>
+          </p:nvPr>
+        </p:nvSpPr>
+        <p:spPr/>
+        <p:txBody>
+          <a:bodyPr>
+            <a:normAutofit/>
+          </a:bodyPr>
+          <a:lstStyle/>
+          <a:p>
+            <a:pPr marL="0" indent="0">
+              <a:buNone/>
+            </a:pPr>
+            <a:r>
+              <a:rPr lang="en-GB" dirty="0"/>
+              <a:t>We will talk about deaths and fatality ratios a lot, and for the purpose of modelling, these will both be parameters. We understand that behind those numbers lie real lives and stories of human tragedy (and recovery). However, for the sake of presentation, we will treat this numbers as mere parameters.</a:t>
+            </a:r>
+            <a:endParaRPr lang="de-DE" dirty="0"/>
+          </a:p>
+        </p:txBody>
+      </p:sp>
+    </p:spTree>
+    <p:extLst>
+      <p:ext uri="{BB962C8B-B14F-4D97-AF65-F5344CB8AC3E}">
+        <p14:creationId xmlns:p14="http://schemas.microsoft.com/office/powerpoint/2010/main" val="1394332715"/>
+      </p:ext>
+    </p:extLst>
+  </p:cSld>
+  <p:clrMapOvr>
+    <a:masterClrMapping/>
+  </p:clrMapOvr>
+</p:sld>
+</file>
+
+<file path=ppt/slides/slide30.xml><?xml version="1.0" encoding="utf-8"?>
 <p:sld xmlns:a="http://schemas.openxmlformats.org/drawingml/2006/main" xmlns:r="http://schemas.openxmlformats.org/officeDocument/2006/relationships" xmlns:p="http://schemas.openxmlformats.org/presentationml/2006/main">
   <p:cSld>
     <p:spTree>
@@ -29156,7 +28733,7 @@
 </p:sld>
 </file>
 
-<file path=ppt/slides/slide32.xml><?xml version="1.0" encoding="utf-8"?>
+<file path=ppt/slides/slide31.xml><?xml version="1.0" encoding="utf-8"?>
 <p:sld xmlns:a="http://schemas.openxmlformats.org/drawingml/2006/main" xmlns:r="http://schemas.openxmlformats.org/officeDocument/2006/relationships" xmlns:p="http://schemas.openxmlformats.org/presentationml/2006/main">
   <p:cSld>
     <p:spTree>
@@ -30356,7 +29933,7 @@
 </p:sld>
 </file>
 
-<file path=ppt/slides/slide33.xml><?xml version="1.0" encoding="utf-8"?>
+<file path=ppt/slides/slide32.xml><?xml version="1.0" encoding="utf-8"?>
 <p:sld xmlns:a="http://schemas.openxmlformats.org/drawingml/2006/main" xmlns:r="http://schemas.openxmlformats.org/officeDocument/2006/relationships" xmlns:p="http://schemas.openxmlformats.org/presentationml/2006/main">
   <p:cSld>
     <p:spTree>
@@ -30589,7 +30166,7 @@
         </p:nvSpPr>
         <p:spPr>
           <a:xfrm>
-            <a:off x="9406265" y="1640959"/>
+            <a:off x="9406265" y="1511706"/>
             <a:ext cx="1947535" cy="369332"/>
           </a:xfrm>
           <a:prstGeom prst="rect">
@@ -30654,7 +30231,7 @@
 </p:sld>
 </file>
 
-<file path=ppt/slides/slide34.xml><?xml version="1.0" encoding="utf-8"?>
+<file path=ppt/slides/slide33.xml><?xml version="1.0" encoding="utf-8"?>
 <p:sld xmlns:a="http://schemas.openxmlformats.org/drawingml/2006/main" xmlns:r="http://schemas.openxmlformats.org/officeDocument/2006/relationships" xmlns:p="http://schemas.openxmlformats.org/presentationml/2006/main">
   <p:cSld>
     <p:spTree>
@@ -31396,8 +30973,8 @@
           </a:p>
         </p:txBody>
       </p:sp>
-      <mc:AlternateContent xmlns:mc="http://schemas.openxmlformats.org/markup-compatibility/2006">
-        <mc:Choice xmlns:a14="http://schemas.microsoft.com/office/drawing/2010/main" Requires="a14">
+      <mc:AlternateContent xmlns:mc="http://schemas.openxmlformats.org/markup-compatibility/2006" xmlns:a14="http://schemas.microsoft.com/office/drawing/2010/main">
+        <mc:Choice Requires="a14">
           <p:sp>
             <p:nvSpPr>
               <p:cNvPr id="3" name="Inhaltsplatzhalter 2">
@@ -31694,7 +31271,7 @@
             </p:txBody>
           </p:sp>
         </mc:Choice>
-        <mc:Fallback>
+        <mc:Fallback xmlns="">
           <p:sp>
             <p:nvSpPr>
               <p:cNvPr id="3" name="Inhaltsplatzhalter 2">
@@ -34433,8 +34010,8 @@
           </a:p>
         </p:txBody>
       </p:sp>
-      <mc:AlternateContent xmlns:mc="http://schemas.openxmlformats.org/markup-compatibility/2006">
-        <mc:Choice xmlns:a14="http://schemas.microsoft.com/office/drawing/2010/main" Requires="a14">
+      <mc:AlternateContent xmlns:mc="http://schemas.openxmlformats.org/markup-compatibility/2006" xmlns:a14="http://schemas.microsoft.com/office/drawing/2010/main">
+        <mc:Choice Requires="a14">
           <p:sp>
             <p:nvSpPr>
               <p:cNvPr id="3" name="Inhaltsplatzhalter 2">
@@ -34744,7 +34321,7 @@
             </p:txBody>
           </p:sp>
         </mc:Choice>
-        <mc:Fallback>
+        <mc:Fallback xmlns="">
           <p:sp>
             <p:nvSpPr>
               <p:cNvPr id="3" name="Inhaltsplatzhalter 2">
